--- a/docs/LYIT Shark Tank.pptx
+++ b/docs/LYIT Shark Tank.pptx
@@ -7,23 +7,26 @@
     <p:sldMasterId id="2147483954" r:id="rId3"/>
   </p:sldMasterIdLst>
   <p:notesMasterIdLst>
-    <p:notesMasterId r:id="rId15"/>
+    <p:notesMasterId r:id="rId18"/>
   </p:notesMasterIdLst>
   <p:handoutMasterIdLst>
-    <p:handoutMasterId r:id="rId16"/>
+    <p:handoutMasterId r:id="rId19"/>
   </p:handoutMasterIdLst>
   <p:sldIdLst>
     <p:sldId id="256" r:id="rId4"/>
     <p:sldId id="264" r:id="rId5"/>
     <p:sldId id="270" r:id="rId6"/>
-    <p:sldId id="272" r:id="rId7"/>
-    <p:sldId id="269" r:id="rId8"/>
-    <p:sldId id="262" r:id="rId9"/>
-    <p:sldId id="268" r:id="rId10"/>
-    <p:sldId id="267" r:id="rId11"/>
-    <p:sldId id="265" r:id="rId12"/>
-    <p:sldId id="263" r:id="rId13"/>
-    <p:sldId id="271" r:id="rId14"/>
+    <p:sldId id="269" r:id="rId7"/>
+    <p:sldId id="274" r:id="rId8"/>
+    <p:sldId id="275" r:id="rId9"/>
+    <p:sldId id="273" r:id="rId10"/>
+    <p:sldId id="276" r:id="rId11"/>
+    <p:sldId id="262" r:id="rId12"/>
+    <p:sldId id="268" r:id="rId13"/>
+    <p:sldId id="267" r:id="rId14"/>
+    <p:sldId id="265" r:id="rId15"/>
+    <p:sldId id="263" r:id="rId16"/>
+    <p:sldId id="271" r:id="rId17"/>
   </p:sldIdLst>
   <p:sldSz cx="12192000" cy="6858000"/>
   <p:notesSz cx="6858000" cy="9144000"/>
@@ -227,7 +230,7 @@
           <a:p>
             <a:fld id="{4F7A5258-2FF6-7248-B92E-336690AD6C50}" type="datetimeFigureOut">
               <a:rPr lang="en-US" smtClean="0"/>
-              <a:t>5/27/2020</a:t>
+              <a:t>6/2/2020</a:t>
             </a:fld>
             <a:endParaRPr lang="en-US" dirty="0"/>
           </a:p>
@@ -435,7 +438,7 @@
           <a:p>
             <a:fld id="{F986D9DB-1781-834E-9EC4-E5444CE61BAE}" type="datetimeFigureOut">
               <a:rPr lang="en-US" smtClean="0"/>
-              <a:t>5/27/2020</a:t>
+              <a:t>6/2/2020</a:t>
             </a:fld>
             <a:endParaRPr lang="en-US" dirty="0"/>
           </a:p>
@@ -949,7 +952,7 @@
           <a:p>
             <a:fld id="{3A17619D-4809-FB41-AAC7-62930C4B5BDA}" type="datetime1">
               <a:rPr lang="en-US" smtClean="0"/>
-              <a:t>5/27/2020</a:t>
+              <a:t>6/2/2020</a:t>
             </a:fld>
             <a:endParaRPr lang="en-US" dirty="0"/>
           </a:p>
@@ -1372,7 +1375,7 @@
           <a:p>
             <a:fld id="{942D5497-0165-7F48-85DE-F0ACB26B1A30}" type="datetime1">
               <a:rPr lang="en-US" smtClean="0"/>
-              <a:t>5/27/2020</a:t>
+              <a:t>6/2/2020</a:t>
             </a:fld>
             <a:endParaRPr lang="en-US" dirty="0"/>
           </a:p>
@@ -1716,7 +1719,7 @@
           <a:p>
             <a:fld id="{F9341285-C262-634D-9893-D16E9BAB98A4}" type="datetime1">
               <a:rPr lang="en-US" smtClean="0"/>
-              <a:t>5/27/2020</a:t>
+              <a:t>6/2/2020</a:t>
             </a:fld>
             <a:endParaRPr lang="en-US" dirty="0"/>
           </a:p>
@@ -2129,7 +2132,7 @@
           <a:p>
             <a:fld id="{0F1E20A9-DD23-D54D-8424-D20F22C115F5}" type="datetime1">
               <a:rPr lang="en-US" smtClean="0"/>
-              <a:t>5/27/2020</a:t>
+              <a:t>6/2/2020</a:t>
             </a:fld>
             <a:endParaRPr lang="en-US" dirty="0"/>
           </a:p>
@@ -2705,7 +2708,7 @@
           <a:p>
             <a:fld id="{CF47E429-D224-B64C-A73A-95ACD99CAF79}" type="datetime1">
               <a:rPr lang="en-US" smtClean="0"/>
-              <a:t>5/27/2020</a:t>
+              <a:t>6/2/2020</a:t>
             </a:fld>
             <a:endParaRPr lang="en-US" dirty="0"/>
           </a:p>
@@ -3394,7 +3397,7 @@
           <a:p>
             <a:fld id="{8DEE677A-1F6C-BE45-BE96-FDE43CEC9F4B}" type="datetime1">
               <a:rPr lang="en-US" smtClean="0"/>
-              <a:t>5/27/2020</a:t>
+              <a:t>6/2/2020</a:t>
             </a:fld>
             <a:endParaRPr lang="en-US" dirty="0"/>
           </a:p>
@@ -4312,7 +4315,7 @@
           <a:p>
             <a:fld id="{DC750525-C4DA-8A44-8995-6ADAFC46BF59}" type="datetime1">
               <a:rPr lang="en-US" smtClean="0"/>
-              <a:t>5/27/2020</a:t>
+              <a:t>6/2/2020</a:t>
             </a:fld>
             <a:endParaRPr lang="en-US" dirty="0"/>
           </a:p>
@@ -4633,7 +4636,7 @@
           <a:p>
             <a:fld id="{DD91B322-D356-C343-BFAF-F3F90A493F7A}" type="datetime1">
               <a:rPr lang="en-US" smtClean="0"/>
-              <a:t>5/27/2020</a:t>
+              <a:t>6/2/2020</a:t>
             </a:fld>
             <a:endParaRPr lang="en-US" dirty="0"/>
           </a:p>
@@ -4905,7 +4908,7 @@
           <a:p>
             <a:fld id="{4B1E3E0F-4844-BA42-B3D7-AEF841B59A52}" type="datetime1">
               <a:rPr lang="en-US" smtClean="0"/>
-              <a:t>5/27/2020</a:t>
+              <a:t>6/2/2020</a:t>
             </a:fld>
             <a:endParaRPr lang="en-US" dirty="0"/>
           </a:p>
@@ -5130,7 +5133,7 @@
           <a:p>
             <a:fld id="{8B814677-DF08-42DB-A792-6445D3A1A474}" type="datetimeFigureOut">
               <a:rPr lang="en-US" smtClean="0"/>
-              <a:t>5/27/2020</a:t>
+              <a:t>6/2/2020</a:t>
             </a:fld>
             <a:endParaRPr lang="en-US"/>
           </a:p>
@@ -5328,7 +5331,7 @@
           <a:p>
             <a:fld id="{8B814677-DF08-42DB-A792-6445D3A1A474}" type="datetimeFigureOut">
               <a:rPr lang="en-US" smtClean="0"/>
-              <a:t>5/27/2020</a:t>
+              <a:t>6/2/2020</a:t>
             </a:fld>
             <a:endParaRPr lang="en-US"/>
           </a:p>
@@ -5649,7 +5652,7 @@
           <a:p>
             <a:fld id="{C72573DA-68D1-4E4E-A11C-7A65FD55AF8B}" type="datetime1">
               <a:rPr lang="en-US" smtClean="0"/>
-              <a:t>5/27/2020</a:t>
+              <a:t>6/2/2020</a:t>
             </a:fld>
             <a:endParaRPr lang="en-US" dirty="0"/>
           </a:p>
@@ -5920,7 +5923,7 @@
           <a:p>
             <a:fld id="{8B814677-DF08-42DB-A792-6445D3A1A474}" type="datetimeFigureOut">
               <a:rPr lang="en-US" smtClean="0"/>
-              <a:t>5/27/2020</a:t>
+              <a:t>6/2/2020</a:t>
             </a:fld>
             <a:endParaRPr lang="en-US"/>
           </a:p>
@@ -6185,7 +6188,7 @@
           <a:p>
             <a:fld id="{8B814677-DF08-42DB-A792-6445D3A1A474}" type="datetimeFigureOut">
               <a:rPr lang="en-US" smtClean="0"/>
-              <a:t>5/27/2020</a:t>
+              <a:t>6/2/2020</a:t>
             </a:fld>
             <a:endParaRPr lang="en-US"/>
           </a:p>
@@ -6597,7 +6600,7 @@
           <a:p>
             <a:fld id="{8B814677-DF08-42DB-A792-6445D3A1A474}" type="datetimeFigureOut">
               <a:rPr lang="en-US" smtClean="0"/>
-              <a:t>5/27/2020</a:t>
+              <a:t>6/2/2020</a:t>
             </a:fld>
             <a:endParaRPr lang="en-US"/>
           </a:p>
@@ -6738,7 +6741,7 @@
           <a:p>
             <a:fld id="{8B814677-DF08-42DB-A792-6445D3A1A474}" type="datetimeFigureOut">
               <a:rPr lang="en-US" smtClean="0"/>
-              <a:t>5/27/2020</a:t>
+              <a:t>6/2/2020</a:t>
             </a:fld>
             <a:endParaRPr lang="en-US"/>
           </a:p>
@@ -6851,7 +6854,7 @@
           <a:p>
             <a:fld id="{8B814677-DF08-42DB-A792-6445D3A1A474}" type="datetimeFigureOut">
               <a:rPr lang="en-US" smtClean="0"/>
-              <a:t>5/27/2020</a:t>
+              <a:t>6/2/2020</a:t>
             </a:fld>
             <a:endParaRPr lang="en-US"/>
           </a:p>
@@ -7162,7 +7165,7 @@
           <a:p>
             <a:fld id="{8B814677-DF08-42DB-A792-6445D3A1A474}" type="datetimeFigureOut">
               <a:rPr lang="en-US" smtClean="0"/>
-              <a:t>5/27/2020</a:t>
+              <a:t>6/2/2020</a:t>
             </a:fld>
             <a:endParaRPr lang="en-US"/>
           </a:p>
@@ -7450,7 +7453,7 @@
           <a:p>
             <a:fld id="{8B814677-DF08-42DB-A792-6445D3A1A474}" type="datetimeFigureOut">
               <a:rPr lang="en-US" smtClean="0"/>
-              <a:t>5/27/2020</a:t>
+              <a:t>6/2/2020</a:t>
             </a:fld>
             <a:endParaRPr lang="en-US"/>
           </a:p>
@@ -7648,7 +7651,7 @@
           <a:p>
             <a:fld id="{8B814677-DF08-42DB-A792-6445D3A1A474}" type="datetimeFigureOut">
               <a:rPr lang="en-US" smtClean="0"/>
-              <a:t>5/27/2020</a:t>
+              <a:t>6/2/2020</a:t>
             </a:fld>
             <a:endParaRPr lang="en-US"/>
           </a:p>
@@ -7856,7 +7859,7 @@
           <a:p>
             <a:fld id="{8B814677-DF08-42DB-A792-6445D3A1A474}" type="datetimeFigureOut">
               <a:rPr lang="en-US" smtClean="0"/>
-              <a:t>5/27/2020</a:t>
+              <a:t>6/2/2020</a:t>
             </a:fld>
             <a:endParaRPr lang="en-US"/>
           </a:p>
@@ -8076,7 +8079,7 @@
           <a:p>
             <a:fld id="{75A3164C-CDF7-42D6-969D-AFFAB95EFABD}" type="datetimeFigureOut">
               <a:rPr lang="en-US" smtClean="0"/>
-              <a:t>5/27/2020</a:t>
+              <a:t>6/2/2020</a:t>
             </a:fld>
             <a:endParaRPr lang="en-US"/>
           </a:p>
@@ -8477,7 +8480,7 @@
           <a:p>
             <a:fld id="{5355A9DB-4918-CA41-A4D6-3D7A4047205F}" type="datetime1">
               <a:rPr lang="en-US" smtClean="0"/>
-              <a:t>5/27/2020</a:t>
+              <a:t>6/2/2020</a:t>
             </a:fld>
             <a:endParaRPr lang="en-US" dirty="0"/>
           </a:p>
@@ -8676,7 +8679,7 @@
           <a:p>
             <a:fld id="{75A3164C-CDF7-42D6-969D-AFFAB95EFABD}" type="datetimeFigureOut">
               <a:rPr lang="en-US" smtClean="0"/>
-              <a:t>5/27/2020</a:t>
+              <a:t>6/2/2020</a:t>
             </a:fld>
             <a:endParaRPr lang="en-US"/>
           </a:p>
@@ -8951,7 +8954,7 @@
           <a:p>
             <a:fld id="{75A3164C-CDF7-42D6-969D-AFFAB95EFABD}" type="datetimeFigureOut">
               <a:rPr lang="en-US" smtClean="0"/>
-              <a:t>5/27/2020</a:t>
+              <a:t>6/2/2020</a:t>
             </a:fld>
             <a:endParaRPr lang="en-US"/>
           </a:p>
@@ -9216,7 +9219,7 @@
           <a:p>
             <a:fld id="{75A3164C-CDF7-42D6-969D-AFFAB95EFABD}" type="datetimeFigureOut">
               <a:rPr lang="en-US" smtClean="0"/>
-              <a:t>5/27/2020</a:t>
+              <a:t>6/2/2020</a:t>
             </a:fld>
             <a:endParaRPr lang="en-US"/>
           </a:p>
@@ -9628,7 +9631,7 @@
           <a:p>
             <a:fld id="{75A3164C-CDF7-42D6-969D-AFFAB95EFABD}" type="datetimeFigureOut">
               <a:rPr lang="en-US" smtClean="0"/>
-              <a:t>5/27/2020</a:t>
+              <a:t>6/2/2020</a:t>
             </a:fld>
             <a:endParaRPr lang="en-US"/>
           </a:p>
@@ -9769,7 +9772,7 @@
           <a:p>
             <a:fld id="{75A3164C-CDF7-42D6-969D-AFFAB95EFABD}" type="datetimeFigureOut">
               <a:rPr lang="en-US" smtClean="0"/>
-              <a:t>5/27/2020</a:t>
+              <a:t>6/2/2020</a:t>
             </a:fld>
             <a:endParaRPr lang="en-US"/>
           </a:p>
@@ -9882,7 +9885,7 @@
           <a:p>
             <a:fld id="{75A3164C-CDF7-42D6-969D-AFFAB95EFABD}" type="datetimeFigureOut">
               <a:rPr lang="en-US" smtClean="0"/>
-              <a:t>5/27/2020</a:t>
+              <a:t>6/2/2020</a:t>
             </a:fld>
             <a:endParaRPr lang="en-US"/>
           </a:p>
@@ -10193,7 +10196,7 @@
           <a:p>
             <a:fld id="{75A3164C-CDF7-42D6-969D-AFFAB95EFABD}" type="datetimeFigureOut">
               <a:rPr lang="en-US" smtClean="0"/>
-              <a:t>5/27/2020</a:t>
+              <a:t>6/2/2020</a:t>
             </a:fld>
             <a:endParaRPr lang="en-US"/>
           </a:p>
@@ -10481,7 +10484,7 @@
           <a:p>
             <a:fld id="{75A3164C-CDF7-42D6-969D-AFFAB95EFABD}" type="datetimeFigureOut">
               <a:rPr lang="en-US" smtClean="0"/>
-              <a:t>5/27/2020</a:t>
+              <a:t>6/2/2020</a:t>
             </a:fld>
             <a:endParaRPr lang="en-US"/>
           </a:p>
@@ -10679,7 +10682,7 @@
           <a:p>
             <a:fld id="{75A3164C-CDF7-42D6-969D-AFFAB95EFABD}" type="datetimeFigureOut">
               <a:rPr lang="en-US" smtClean="0"/>
-              <a:t>5/27/2020</a:t>
+              <a:t>6/2/2020</a:t>
             </a:fld>
             <a:endParaRPr lang="en-US"/>
           </a:p>
@@ -10887,7 +10890,7 @@
           <a:p>
             <a:fld id="{75A3164C-CDF7-42D6-969D-AFFAB95EFABD}" type="datetimeFigureOut">
               <a:rPr lang="en-US" smtClean="0"/>
-              <a:t>5/27/2020</a:t>
+              <a:t>6/2/2020</a:t>
             </a:fld>
             <a:endParaRPr lang="en-US"/>
           </a:p>
@@ -11270,7 +11273,7 @@
           <a:p>
             <a:fld id="{8B42B6CD-D48E-1D40-B723-7B253C7D8556}" type="datetime1">
               <a:rPr lang="en-US" smtClean="0"/>
-              <a:t>5/27/2020</a:t>
+              <a:t>6/2/2020</a:t>
             </a:fld>
             <a:endParaRPr lang="en-US" dirty="0"/>
           </a:p>
@@ -11784,7 +11787,7 @@
           <a:p>
             <a:fld id="{7F67D2EE-5D8F-7C44-96F9-CA154E26CA9B}" type="datetime1">
               <a:rPr lang="en-US" smtClean="0"/>
-              <a:t>5/27/2020</a:t>
+              <a:t>6/2/2020</a:t>
             </a:fld>
             <a:endParaRPr lang="en-US" dirty="0"/>
           </a:p>
@@ -12049,7 +12052,7 @@
           <a:p>
             <a:fld id="{607143E3-8116-AA44-8C59-C19F98E071CC}" type="datetime1">
               <a:rPr lang="en-US" smtClean="0"/>
-              <a:t>5/27/2020</a:t>
+              <a:t>6/2/2020</a:t>
             </a:fld>
             <a:endParaRPr lang="en-US" dirty="0"/>
           </a:p>
@@ -12220,7 +12223,7 @@
           <a:p>
             <a:fld id="{6408B82E-06C6-F24E-A8BC-14AC042998D3}" type="datetime1">
               <a:rPr lang="en-US" smtClean="0"/>
-              <a:t>5/27/2020</a:t>
+              <a:t>6/2/2020</a:t>
             </a:fld>
             <a:endParaRPr lang="en-US" dirty="0"/>
           </a:p>
@@ -12618,7 +12621,7 @@
           <a:p>
             <a:fld id="{B82736E1-987B-4E41-92D4-D13EB60CB9DD}" type="datetime1">
               <a:rPr lang="en-US" smtClean="0"/>
-              <a:t>5/27/2020</a:t>
+              <a:t>6/2/2020</a:t>
             </a:fld>
             <a:endParaRPr lang="en-US" dirty="0"/>
           </a:p>
@@ -13034,7 +13037,7 @@
           <a:p>
             <a:fld id="{922B900F-12FE-4645-93D8-23549E0EEC16}" type="datetime1">
               <a:rPr lang="en-US" smtClean="0"/>
-              <a:t>5/27/2020</a:t>
+              <a:t>6/2/2020</a:t>
             </a:fld>
             <a:endParaRPr lang="en-US" dirty="0"/>
           </a:p>
@@ -13286,7 +13289,7 @@
           <a:p>
             <a:fld id="{3A17619D-4809-FB41-AAC7-62930C4B5BDA}" type="datetime1">
               <a:rPr lang="en-US" smtClean="0"/>
-              <a:t>5/27/2020</a:t>
+              <a:t>6/2/2020</a:t>
             </a:fld>
             <a:endParaRPr lang="en-US" dirty="0"/>
           </a:p>
@@ -13812,7 +13815,7 @@
           <a:p>
             <a:fld id="{8B814677-DF08-42DB-A792-6445D3A1A474}" type="datetimeFigureOut">
               <a:rPr lang="en-US" smtClean="0"/>
-              <a:t>5/27/2020</a:t>
+              <a:t>6/2/2020</a:t>
             </a:fld>
             <a:endParaRPr lang="en-US"/>
           </a:p>
@@ -14380,7 +14383,7 @@
           <a:p>
             <a:fld id="{75A3164C-CDF7-42D6-969D-AFFAB95EFABD}" type="datetimeFigureOut">
               <a:rPr lang="en-US" smtClean="0"/>
-              <a:t>5/27/2020</a:t>
+              <a:t>6/2/2020</a:t>
             </a:fld>
             <a:endParaRPr lang="en-US"/>
           </a:p>
@@ -14915,1069 +14918,6 @@
           <p:cNvPr id="2" name="Title 1">
             <a:extLst>
               <a:ext uri="{FF2B5EF4-FFF2-40B4-BE49-F238E27FC236}">
-                <a16:creationId xmlns:a16="http://schemas.microsoft.com/office/drawing/2014/main" id="{EF983CF0-83D7-1D4D-879D-22AD570C0BCE}"/>
-              </a:ext>
-            </a:extLst>
-          </p:cNvPr>
-          <p:cNvSpPr>
-            <a:spLocks noGrp="1"/>
-          </p:cNvSpPr>
-          <p:nvPr>
-            <p:ph type="title"/>
-          </p:nvPr>
-        </p:nvSpPr>
-        <p:spPr/>
-        <p:txBody>
-          <a:bodyPr/>
-          <a:lstStyle/>
-          <a:p>
-            <a:r>
-              <a:rPr lang="en-US" dirty="0"/>
-              <a:t>Thank you! Questions?</a:t>
-            </a:r>
-          </a:p>
-        </p:txBody>
-      </p:sp>
-    </p:spTree>
-    <p:extLst>
-      <p:ext uri="{BB962C8B-B14F-4D97-AF65-F5344CB8AC3E}">
-        <p14:creationId xmlns:p14="http://schemas.microsoft.com/office/powerpoint/2010/main" val="1504227060"/>
-      </p:ext>
-    </p:extLst>
-  </p:cSld>
-  <p:clrMapOvr>
-    <a:masterClrMapping/>
-  </p:clrMapOvr>
-</p:sld>
-</file>
-
-<file path=ppt/slides/slide11.xml><?xml version="1.0" encoding="utf-8"?>
-<p:sld xmlns:a="http://schemas.openxmlformats.org/drawingml/2006/main" xmlns:r="http://schemas.openxmlformats.org/officeDocument/2006/relationships" xmlns:p="http://schemas.openxmlformats.org/presentationml/2006/main">
-  <p:cSld>
-    <p:spTree>
-      <p:nvGrpSpPr>
-        <p:cNvPr id="1" name=""/>
-        <p:cNvGrpSpPr/>
-        <p:nvPr/>
-      </p:nvGrpSpPr>
-      <p:grpSpPr>
-        <a:xfrm>
-          <a:off x="0" y="0"/>
-          <a:ext cx="0" cy="0"/>
-          <a:chOff x="0" y="0"/>
-          <a:chExt cx="0" cy="0"/>
-        </a:xfrm>
-      </p:grpSpPr>
-      <p:sp>
-        <p:nvSpPr>
-          <p:cNvPr id="2" name="Title 1">
-            <a:extLst>
-              <a:ext uri="{FF2B5EF4-FFF2-40B4-BE49-F238E27FC236}">
-                <a16:creationId xmlns:a16="http://schemas.microsoft.com/office/drawing/2014/main" id="{4A969395-6AA4-449A-B2F6-D37FF44D4BEF}"/>
-              </a:ext>
-            </a:extLst>
-          </p:cNvPr>
-          <p:cNvSpPr>
-            <a:spLocks noGrp="1"/>
-          </p:cNvSpPr>
-          <p:nvPr>
-            <p:ph type="title"/>
-          </p:nvPr>
-        </p:nvSpPr>
-        <p:spPr/>
-        <p:txBody>
-          <a:bodyPr/>
-          <a:lstStyle/>
-          <a:p>
-            <a:pPr algn="ctr"/>
-            <a:r>
-              <a:rPr lang="en-US" dirty="0"/>
-              <a:t>References</a:t>
-            </a:r>
-          </a:p>
-        </p:txBody>
-      </p:sp>
-      <p:sp>
-        <p:nvSpPr>
-          <p:cNvPr id="3" name="Text Placeholder 2">
-            <a:extLst>
-              <a:ext uri="{FF2B5EF4-FFF2-40B4-BE49-F238E27FC236}">
-                <a16:creationId xmlns:a16="http://schemas.microsoft.com/office/drawing/2014/main" id="{5D1D4757-920B-4EBD-94C5-9F2DC49B4A4A}"/>
-              </a:ext>
-            </a:extLst>
-          </p:cNvPr>
-          <p:cNvSpPr>
-            <a:spLocks noGrp="1"/>
-          </p:cNvSpPr>
-          <p:nvPr>
-            <p:ph type="body" idx="1"/>
-          </p:nvPr>
-        </p:nvSpPr>
-        <p:spPr/>
-        <p:txBody>
-          <a:bodyPr/>
-          <a:lstStyle/>
-          <a:p>
-            <a:pPr marL="457200" indent="-457200" algn="l">
-              <a:buAutoNum type="arabicPeriod"/>
-            </a:pPr>
-            <a:r>
-              <a:rPr lang="en-US" dirty="0">
-                <a:hlinkClick r:id="rId2"/>
-              </a:rPr>
-              <a:t>https://www.infoworld.com/article/3271126/what-is-cicd-continuous-integration-and-continuous-delivery-explained.html</a:t>
-            </a:r>
-            <a:endParaRPr lang="en-US" dirty="0"/>
-          </a:p>
-          <a:p>
-            <a:pPr marL="457200" indent="-457200" algn="l">
-              <a:buAutoNum type="arabicPeriod"/>
-            </a:pPr>
-            <a:r>
-              <a:rPr lang="en-US" dirty="0">
-                <a:hlinkClick r:id="rId3"/>
-              </a:rPr>
-              <a:t>https://www.cprime.com/resources/what-is-agile-what-is-scrum/</a:t>
-            </a:r>
-            <a:endParaRPr lang="en-US" dirty="0"/>
-          </a:p>
-        </p:txBody>
-      </p:sp>
-    </p:spTree>
-    <p:extLst>
-      <p:ext uri="{BB962C8B-B14F-4D97-AF65-F5344CB8AC3E}">
-        <p14:creationId xmlns:p14="http://schemas.microsoft.com/office/powerpoint/2010/main" val="3976570615"/>
-      </p:ext>
-    </p:extLst>
-  </p:cSld>
-  <p:clrMapOvr>
-    <a:masterClrMapping/>
-  </p:clrMapOvr>
-</p:sld>
-</file>
-
-<file path=ppt/slides/slide2.xml><?xml version="1.0" encoding="utf-8"?>
-<p:sld xmlns:a="http://schemas.openxmlformats.org/drawingml/2006/main" xmlns:r="http://schemas.openxmlformats.org/officeDocument/2006/relationships" xmlns:p="http://schemas.openxmlformats.org/presentationml/2006/main">
-  <p:cSld>
-    <p:spTree>
-      <p:nvGrpSpPr>
-        <p:cNvPr id="1" name=""/>
-        <p:cNvGrpSpPr/>
-        <p:nvPr/>
-      </p:nvGrpSpPr>
-      <p:grpSpPr>
-        <a:xfrm>
-          <a:off x="0" y="0"/>
-          <a:ext cx="0" cy="0"/>
-          <a:chOff x="0" y="0"/>
-          <a:chExt cx="0" cy="0"/>
-        </a:xfrm>
-      </p:grpSpPr>
-      <p:sp>
-        <p:nvSpPr>
-          <p:cNvPr id="2" name="Title 1">
-            <a:extLst>
-              <a:ext uri="{FF2B5EF4-FFF2-40B4-BE49-F238E27FC236}">
-                <a16:creationId xmlns:a16="http://schemas.microsoft.com/office/drawing/2014/main" id="{38B71AD9-DB6C-1845-81E6-B379EBA353D9}"/>
-              </a:ext>
-            </a:extLst>
-          </p:cNvPr>
-          <p:cNvSpPr>
-            <a:spLocks noGrp="1"/>
-          </p:cNvSpPr>
-          <p:nvPr>
-            <p:ph type="title"/>
-          </p:nvPr>
-        </p:nvSpPr>
-        <p:spPr/>
-        <p:txBody>
-          <a:bodyPr/>
-          <a:lstStyle/>
-          <a:p>
-            <a:pPr algn="ctr"/>
-            <a:r>
-              <a:rPr lang="en-US" dirty="0" err="1"/>
-              <a:t>GweedoreDP</a:t>
-            </a:r>
-            <a:r>
-              <a:rPr lang="en-US" dirty="0"/>
-              <a:t> Overview</a:t>
-            </a:r>
-          </a:p>
-        </p:txBody>
-      </p:sp>
-      <p:sp>
-        <p:nvSpPr>
-          <p:cNvPr id="3" name="Content Placeholder 2">
-            <a:extLst>
-              <a:ext uri="{FF2B5EF4-FFF2-40B4-BE49-F238E27FC236}">
-                <a16:creationId xmlns:a16="http://schemas.microsoft.com/office/drawing/2014/main" id="{D1902182-3377-F445-8929-24CC05037B07}"/>
-              </a:ext>
-            </a:extLst>
-          </p:cNvPr>
-          <p:cNvSpPr>
-            <a:spLocks noGrp="1"/>
-          </p:cNvSpPr>
-          <p:nvPr>
-            <p:ph idx="1"/>
-          </p:nvPr>
-        </p:nvSpPr>
-        <p:spPr>
-          <a:xfrm>
-            <a:off x="680321" y="2438399"/>
-            <a:ext cx="9613861" cy="3497789"/>
-          </a:xfrm>
-        </p:spPr>
-        <p:txBody>
-          <a:bodyPr>
-            <a:normAutofit fontScale="85000" lnSpcReduction="10000"/>
-          </a:bodyPr>
-          <a:lstStyle/>
-          <a:p>
-            <a:pPr marL="0" indent="0">
-              <a:buNone/>
-            </a:pPr>
-            <a:r>
-              <a:rPr lang="en-US" sz="2100" b="1" dirty="0"/>
-              <a:t>What is </a:t>
-            </a:r>
-            <a:r>
-              <a:rPr lang="en-US" sz="2100" b="1" dirty="0" err="1"/>
-              <a:t>GweedoreDP</a:t>
-            </a:r>
-            <a:r>
-              <a:rPr lang="en-US" sz="2100" b="1" dirty="0"/>
-              <a:t>?</a:t>
-            </a:r>
-          </a:p>
-          <a:p>
-            <a:r>
-              <a:rPr lang="en-US" sz="1900" dirty="0"/>
-              <a:t>It is an LYIT team project to demonstrate the team has gained an understanding of the DevOps model of Continuous Improvement/Continuous Delivery using an Agile Methodology.     </a:t>
-            </a:r>
-            <a:endParaRPr lang="en-US" sz="1800" b="1" dirty="0"/>
-          </a:p>
-          <a:p>
-            <a:pPr marL="0" indent="0">
-              <a:buNone/>
-            </a:pPr>
-            <a:r>
-              <a:rPr lang="en-US" sz="1900" b="1" dirty="0"/>
-              <a:t>What is CI/CD? </a:t>
-            </a:r>
-          </a:p>
-          <a:p>
-            <a:r>
-              <a:rPr lang="en-US" sz="1900" dirty="0"/>
-              <a:t>Continuous integration (CI) and continuous delivery (CD) embody a culture, a set of operating principles, and a collection of practices that enable application development teams to deliver code changes more frequently and reliably. (1)</a:t>
-            </a:r>
-          </a:p>
-          <a:p>
-            <a:pPr marL="0" indent="0">
-              <a:buNone/>
-            </a:pPr>
-            <a:r>
-              <a:rPr lang="en-US" sz="1900" b="1" dirty="0"/>
-              <a:t>What is Agile?</a:t>
-            </a:r>
-            <a:r>
-              <a:rPr lang="en-US" sz="1900" dirty="0"/>
-              <a:t> </a:t>
-            </a:r>
-          </a:p>
-          <a:p>
-            <a:r>
-              <a:rPr lang="en-US" sz="1900" dirty="0"/>
-              <a:t>Agile software development is centered round the idea of iterative development, where requirements and solutions evolve through collaboration between  self-organizing cross-functional teams.</a:t>
-            </a:r>
-          </a:p>
-          <a:p>
-            <a:r>
-              <a:rPr lang="en-US" sz="1900" dirty="0"/>
-              <a:t>The ultimate value in Agile development is that it enables teams to deliver value faster, with greater quality and predictability. (2)</a:t>
-            </a:r>
-          </a:p>
-        </p:txBody>
-      </p:sp>
-    </p:spTree>
-    <p:extLst>
-      <p:ext uri="{BB962C8B-B14F-4D97-AF65-F5344CB8AC3E}">
-        <p14:creationId xmlns:p14="http://schemas.microsoft.com/office/powerpoint/2010/main" val="2972473386"/>
-      </p:ext>
-    </p:extLst>
-  </p:cSld>
-  <p:clrMapOvr>
-    <a:masterClrMapping/>
-  </p:clrMapOvr>
-</p:sld>
-</file>
-
-<file path=ppt/slides/slide3.xml><?xml version="1.0" encoding="utf-8"?>
-<p:sld xmlns:a="http://schemas.openxmlformats.org/drawingml/2006/main" xmlns:r="http://schemas.openxmlformats.org/officeDocument/2006/relationships" xmlns:p="http://schemas.openxmlformats.org/presentationml/2006/main">
-  <p:cSld>
-    <p:spTree>
-      <p:nvGrpSpPr>
-        <p:cNvPr id="1" name=""/>
-        <p:cNvGrpSpPr/>
-        <p:nvPr/>
-      </p:nvGrpSpPr>
-      <p:grpSpPr>
-        <a:xfrm>
-          <a:off x="0" y="0"/>
-          <a:ext cx="0" cy="0"/>
-          <a:chOff x="0" y="0"/>
-          <a:chExt cx="0" cy="0"/>
-        </a:xfrm>
-      </p:grpSpPr>
-      <p:sp>
-        <p:nvSpPr>
-          <p:cNvPr id="2" name="Title 1">
-            <a:extLst>
-              <a:ext uri="{FF2B5EF4-FFF2-40B4-BE49-F238E27FC236}">
-                <a16:creationId xmlns:a16="http://schemas.microsoft.com/office/drawing/2014/main" id="{ECCFEFFC-008E-9443-9C7C-31AA51C39218}"/>
-              </a:ext>
-            </a:extLst>
-          </p:cNvPr>
-          <p:cNvSpPr>
-            <a:spLocks noGrp="1"/>
-          </p:cNvSpPr>
-          <p:nvPr>
-            <p:ph type="title"/>
-          </p:nvPr>
-        </p:nvSpPr>
-        <p:spPr/>
-        <p:txBody>
-          <a:bodyPr/>
-          <a:lstStyle/>
-          <a:p>
-            <a:pPr algn="ctr"/>
-            <a:r>
-              <a:rPr lang="en-US" dirty="0"/>
-              <a:t>Problem Statement  </a:t>
-            </a:r>
-          </a:p>
-        </p:txBody>
-      </p:sp>
-      <p:sp>
-        <p:nvSpPr>
-          <p:cNvPr id="4" name="Content Placeholder 2">
-            <a:extLst>
-              <a:ext uri="{FF2B5EF4-FFF2-40B4-BE49-F238E27FC236}">
-                <a16:creationId xmlns:a16="http://schemas.microsoft.com/office/drawing/2014/main" id="{1EDFA6C4-E69C-C24C-916B-F91E58657775}"/>
-              </a:ext>
-            </a:extLst>
-          </p:cNvPr>
-          <p:cNvSpPr>
-            <a:spLocks noGrp="1"/>
-          </p:cNvSpPr>
-          <p:nvPr>
-            <p:ph idx="1"/>
-          </p:nvPr>
-        </p:nvSpPr>
-        <p:spPr>
-          <a:xfrm>
-            <a:off x="680321" y="2336873"/>
-            <a:ext cx="9613861" cy="3599316"/>
-          </a:xfrm>
-        </p:spPr>
-        <p:txBody>
-          <a:bodyPr/>
-          <a:lstStyle/>
-          <a:p>
-            <a:pPr marL="0" indent="0">
-              <a:buNone/>
-            </a:pPr>
-            <a:r>
-              <a:rPr lang="en-US" sz="2000" b="1" dirty="0"/>
-              <a:t>Problem Statement:</a:t>
-            </a:r>
-          </a:p>
-          <a:p>
-            <a:pPr marL="0" indent="0">
-              <a:buNone/>
-            </a:pPr>
-            <a:r>
-              <a:rPr lang="en-US" sz="2000" dirty="0"/>
-              <a:t>The </a:t>
-            </a:r>
-            <a:r>
-              <a:rPr lang="en-US" sz="2000" dirty="0" err="1"/>
-              <a:t>GweedoreDP</a:t>
-            </a:r>
-            <a:r>
-              <a:rPr lang="en-US" sz="2000" dirty="0"/>
-              <a:t> (development partnership) has asked Team Marvel to build a web application to provide meeting rooms, administrative services and  coronavirus related resources links and information.</a:t>
-            </a:r>
-          </a:p>
-          <a:p>
-            <a:pPr marL="0" indent="0">
-              <a:buNone/>
-            </a:pPr>
-            <a:r>
-              <a:rPr lang="en-US" sz="2000" dirty="0"/>
-              <a:t>Due to the district having to close its parish offices and the urgency of the getting information to the public about Coronavirus resources the final project delivery date has been set as June 26, 2020. The </a:t>
-            </a:r>
-            <a:r>
-              <a:rPr lang="en-US" sz="2000" dirty="0" err="1"/>
-              <a:t>GweedoreDP</a:t>
-            </a:r>
-            <a:r>
-              <a:rPr lang="en-US" sz="2000" dirty="0"/>
-              <a:t> is asking Team Marvel to deliver functionality in phases rather than waiting to the end of the project.</a:t>
-            </a:r>
-          </a:p>
-          <a:p>
-            <a:pPr marL="0" indent="0">
-              <a:buNone/>
-            </a:pPr>
-            <a:r>
-              <a:rPr lang="en-US" sz="2000" dirty="0"/>
-              <a:t>The district of Gweedore is using emergency funding for this project and asks Team Marvel to reduce costs when ever possible.             </a:t>
-            </a:r>
-          </a:p>
-          <a:p>
-            <a:pPr marL="0" indent="0">
-              <a:buNone/>
-            </a:pPr>
-            <a:endParaRPr lang="en-US" sz="2000" dirty="0"/>
-          </a:p>
-          <a:p>
-            <a:pPr marL="0" indent="0">
-              <a:buNone/>
-            </a:pPr>
-            <a:endParaRPr lang="en-US" sz="2000" dirty="0"/>
-          </a:p>
-        </p:txBody>
-      </p:sp>
-    </p:spTree>
-    <p:extLst>
-      <p:ext uri="{BB962C8B-B14F-4D97-AF65-F5344CB8AC3E}">
-        <p14:creationId xmlns:p14="http://schemas.microsoft.com/office/powerpoint/2010/main" val="3043229972"/>
-      </p:ext>
-    </p:extLst>
-  </p:cSld>
-  <p:clrMapOvr>
-    <a:masterClrMapping/>
-  </p:clrMapOvr>
-</p:sld>
-</file>
-
-<file path=ppt/slides/slide4.xml><?xml version="1.0" encoding="utf-8"?>
-<p:sld xmlns:a="http://schemas.openxmlformats.org/drawingml/2006/main" xmlns:r="http://schemas.openxmlformats.org/officeDocument/2006/relationships" xmlns:p="http://schemas.openxmlformats.org/presentationml/2006/main">
-  <p:cSld>
-    <p:spTree>
-      <p:nvGrpSpPr>
-        <p:cNvPr id="1" name=""/>
-        <p:cNvGrpSpPr/>
-        <p:nvPr/>
-      </p:nvGrpSpPr>
-      <p:grpSpPr>
-        <a:xfrm>
-          <a:off x="0" y="0"/>
-          <a:ext cx="0" cy="0"/>
-          <a:chOff x="0" y="0"/>
-          <a:chExt cx="0" cy="0"/>
-        </a:xfrm>
-      </p:grpSpPr>
-      <p:sp>
-        <p:nvSpPr>
-          <p:cNvPr id="2" name="Title 1">
-            <a:extLst>
-              <a:ext uri="{FF2B5EF4-FFF2-40B4-BE49-F238E27FC236}">
-                <a16:creationId xmlns:a16="http://schemas.microsoft.com/office/drawing/2014/main" id="{ECCFEFFC-008E-9443-9C7C-31AA51C39218}"/>
-              </a:ext>
-            </a:extLst>
-          </p:cNvPr>
-          <p:cNvSpPr>
-            <a:spLocks noGrp="1"/>
-          </p:cNvSpPr>
-          <p:nvPr>
-            <p:ph type="title"/>
-          </p:nvPr>
-        </p:nvSpPr>
-        <p:spPr/>
-        <p:txBody>
-          <a:bodyPr/>
-          <a:lstStyle/>
-          <a:p>
-            <a:pPr algn="ctr"/>
-            <a:r>
-              <a:rPr lang="en-US" dirty="0"/>
-              <a:t>Problem Solution</a:t>
-            </a:r>
-          </a:p>
-        </p:txBody>
-      </p:sp>
-      <p:sp>
-        <p:nvSpPr>
-          <p:cNvPr id="4" name="Content Placeholder 2">
-            <a:extLst>
-              <a:ext uri="{FF2B5EF4-FFF2-40B4-BE49-F238E27FC236}">
-                <a16:creationId xmlns:a16="http://schemas.microsoft.com/office/drawing/2014/main" id="{1EDFA6C4-E69C-C24C-916B-F91E58657775}"/>
-              </a:ext>
-            </a:extLst>
-          </p:cNvPr>
-          <p:cNvSpPr>
-            <a:spLocks noGrp="1"/>
-          </p:cNvSpPr>
-          <p:nvPr>
-            <p:ph idx="1"/>
-          </p:nvPr>
-        </p:nvSpPr>
-        <p:spPr>
-          <a:xfrm>
-            <a:off x="680321" y="2336873"/>
-            <a:ext cx="9613861" cy="3599316"/>
-          </a:xfrm>
-        </p:spPr>
-        <p:txBody>
-          <a:bodyPr>
-            <a:normAutofit fontScale="70000" lnSpcReduction="20000"/>
-          </a:bodyPr>
-          <a:lstStyle/>
-          <a:p>
-            <a:pPr marL="0" indent="0">
-              <a:buNone/>
-            </a:pPr>
-            <a:r>
-              <a:rPr lang="en-US" sz="2000" b="1" dirty="0"/>
-              <a:t>Problem Solution:</a:t>
-            </a:r>
-          </a:p>
-          <a:p>
-            <a:pPr marL="0" indent="0">
-              <a:buNone/>
-            </a:pPr>
-            <a:r>
-              <a:rPr lang="en-US" sz="2000" dirty="0"/>
-              <a:t>Team Marvel has adapted an agile approach to this project which will be comprised of seven sprints. </a:t>
-            </a:r>
-          </a:p>
-          <a:p>
-            <a:pPr marL="0" indent="0">
-              <a:buNone/>
-            </a:pPr>
-            <a:r>
-              <a:rPr lang="en-US" sz="2000" dirty="0"/>
-              <a:t>All issues, user stories and sprint information will be logged in Trello. </a:t>
-            </a:r>
-            <a:r>
-              <a:rPr lang="en-US" sz="2000" dirty="0">
-                <a:hlinkClick r:id="rId2"/>
-              </a:rPr>
-              <a:t>https://trello.com/b/wVBCAwD8/gweedoredp</a:t>
-            </a:r>
-            <a:r>
-              <a:rPr lang="en-US" sz="2000" dirty="0"/>
-              <a:t>  </a:t>
-            </a:r>
-          </a:p>
-          <a:p>
-            <a:pPr marL="0" indent="0">
-              <a:buNone/>
-            </a:pPr>
-            <a:endParaRPr lang="en-US" sz="2000" dirty="0"/>
-          </a:p>
-          <a:p>
-            <a:pPr marL="0" indent="0">
-              <a:buNone/>
-            </a:pPr>
-            <a:r>
-              <a:rPr lang="en-US" sz="2000" dirty="0"/>
-              <a:t>All source code and project documentation will be stored in GitHub.</a:t>
-            </a:r>
-          </a:p>
-          <a:p>
-            <a:pPr marL="0" indent="0">
-              <a:buNone/>
-            </a:pPr>
-            <a:r>
-              <a:rPr lang="en-US" sz="2000" dirty="0">
-                <a:hlinkClick r:id="rId3"/>
-              </a:rPr>
-              <a:t>https://github.com/rlennon/GweedoreDP</a:t>
-            </a:r>
-            <a:endParaRPr lang="en-US" sz="2000" dirty="0"/>
-          </a:p>
-          <a:p>
-            <a:pPr marL="0" indent="0">
-              <a:buNone/>
-            </a:pPr>
-            <a:endParaRPr lang="en-US" sz="2000" dirty="0"/>
-          </a:p>
-          <a:p>
-            <a:pPr marL="0" indent="0">
-              <a:buNone/>
-            </a:pPr>
-            <a:r>
-              <a:rPr lang="en-US" sz="2000" dirty="0"/>
-              <a:t>Java will be the source code coding language using a Maven Framework.</a:t>
-            </a:r>
-          </a:p>
-          <a:p>
-            <a:pPr marL="0" indent="0">
-              <a:buNone/>
-            </a:pPr>
-            <a:endParaRPr lang="en-US" sz="2000" dirty="0"/>
-          </a:p>
-          <a:p>
-            <a:pPr marL="0" indent="0">
-              <a:buNone/>
-            </a:pPr>
-            <a:r>
-              <a:rPr lang="en-US" sz="2000" dirty="0"/>
-              <a:t>Testing software will be Junit.</a:t>
-            </a:r>
-          </a:p>
-          <a:p>
-            <a:pPr marL="0" indent="0">
-              <a:buNone/>
-            </a:pPr>
-            <a:r>
-              <a:rPr lang="en-US" sz="2000" dirty="0"/>
-              <a:t> </a:t>
-            </a:r>
-          </a:p>
-          <a:p>
-            <a:pPr marL="0" indent="0">
-              <a:buNone/>
-            </a:pPr>
-            <a:r>
-              <a:rPr lang="en-US" sz="2000" dirty="0"/>
-              <a:t>Code vulnerability scanning tool be Sonar Cube (or Amazon Inspector).     </a:t>
-            </a:r>
-          </a:p>
-          <a:p>
-            <a:pPr marL="0" indent="0">
-              <a:buNone/>
-            </a:pPr>
-            <a:endParaRPr lang="en-US" sz="2000" dirty="0"/>
-          </a:p>
-          <a:p>
-            <a:pPr marL="0" indent="0">
-              <a:buNone/>
-            </a:pPr>
-            <a:endParaRPr lang="en-US" sz="2000" dirty="0"/>
-          </a:p>
-          <a:p>
-            <a:pPr marL="0" indent="0">
-              <a:buNone/>
-            </a:pPr>
-            <a:endParaRPr lang="en-US" sz="2000" dirty="0"/>
-          </a:p>
-        </p:txBody>
-      </p:sp>
-    </p:spTree>
-    <p:extLst>
-      <p:ext uri="{BB962C8B-B14F-4D97-AF65-F5344CB8AC3E}">
-        <p14:creationId xmlns:p14="http://schemas.microsoft.com/office/powerpoint/2010/main" val="2790657263"/>
-      </p:ext>
-    </p:extLst>
-  </p:cSld>
-  <p:clrMapOvr>
-    <a:masterClrMapping/>
-  </p:clrMapOvr>
-</p:sld>
-</file>
-
-<file path=ppt/slides/slide5.xml><?xml version="1.0" encoding="utf-8"?>
-<p:sld xmlns:a="http://schemas.openxmlformats.org/drawingml/2006/main" xmlns:r="http://schemas.openxmlformats.org/officeDocument/2006/relationships" xmlns:p="http://schemas.openxmlformats.org/presentationml/2006/main">
-  <p:cSld>
-    <p:spTree>
-      <p:nvGrpSpPr>
-        <p:cNvPr id="1" name=""/>
-        <p:cNvGrpSpPr/>
-        <p:nvPr/>
-      </p:nvGrpSpPr>
-      <p:grpSpPr>
-        <a:xfrm>
-          <a:off x="0" y="0"/>
-          <a:ext cx="0" cy="0"/>
-          <a:chOff x="0" y="0"/>
-          <a:chExt cx="0" cy="0"/>
-        </a:xfrm>
-      </p:grpSpPr>
-      <p:sp>
-        <p:nvSpPr>
-          <p:cNvPr id="2" name="Title 1">
-            <a:extLst>
-              <a:ext uri="{FF2B5EF4-FFF2-40B4-BE49-F238E27FC236}">
-                <a16:creationId xmlns:a16="http://schemas.microsoft.com/office/drawing/2014/main" id="{380149D2-9B95-E942-A598-834D27F7CC34}"/>
-              </a:ext>
-            </a:extLst>
-          </p:cNvPr>
-          <p:cNvSpPr>
-            <a:spLocks noGrp="1"/>
-          </p:cNvSpPr>
-          <p:nvPr>
-            <p:ph type="title"/>
-          </p:nvPr>
-        </p:nvSpPr>
-        <p:spPr/>
-        <p:txBody>
-          <a:bodyPr/>
-          <a:lstStyle/>
-          <a:p>
-            <a:pPr algn="ctr"/>
-            <a:r>
-              <a:rPr lang="en-US" dirty="0"/>
-              <a:t>Why did we choose these technologies?</a:t>
-            </a:r>
-          </a:p>
-        </p:txBody>
-      </p:sp>
-      <p:sp>
-        <p:nvSpPr>
-          <p:cNvPr id="3" name="Content Placeholder 2">
-            <a:extLst>
-              <a:ext uri="{FF2B5EF4-FFF2-40B4-BE49-F238E27FC236}">
-                <a16:creationId xmlns:a16="http://schemas.microsoft.com/office/drawing/2014/main" id="{4954B03B-CDFE-524D-A096-5D0F96FB2155}"/>
-              </a:ext>
-            </a:extLst>
-          </p:cNvPr>
-          <p:cNvSpPr>
-            <a:spLocks noGrp="1"/>
-          </p:cNvSpPr>
-          <p:nvPr>
-            <p:ph idx="1"/>
-          </p:nvPr>
-        </p:nvSpPr>
-        <p:spPr/>
-        <p:txBody>
-          <a:bodyPr>
-            <a:normAutofit lnSpcReduction="10000"/>
-          </a:bodyPr>
-          <a:lstStyle/>
-          <a:p>
-            <a:pPr marL="0" indent="0">
-              <a:buNone/>
-            </a:pPr>
-            <a:r>
-              <a:rPr lang="en-US" sz="2800" dirty="0"/>
-              <a:t>We have chosen to use Amazon’s AWS cloud computing services to host the web application for the following reasons;</a:t>
-            </a:r>
-          </a:p>
-          <a:p>
-            <a:pPr marL="0" indent="0">
-              <a:buNone/>
-            </a:pPr>
-            <a:r>
-              <a:rPr lang="en-US" sz="2800" dirty="0"/>
-              <a:t>Reduced Cost, no physical hard ware will be required to host the application. Amazon’s pricing model is based on fee for service. If the district of Gweedore choses to discontinue the application, there is no penalty to do so.    </a:t>
-            </a:r>
-          </a:p>
-          <a:p>
-            <a:pPr marL="0" indent="0">
-              <a:buNone/>
-            </a:pPr>
-            <a:r>
-              <a:rPr lang="en-US" sz="2800" dirty="0"/>
-              <a:t>Scalability, the Amazon instance Team Marvel has set up has automatic scalability and load balancing installed.</a:t>
-            </a:r>
-          </a:p>
-          <a:p>
-            <a:pPr marL="0" indent="0">
-              <a:buNone/>
-            </a:pPr>
-            <a:endParaRPr lang="en-US" sz="2200" dirty="0"/>
-          </a:p>
-          <a:p>
-            <a:pPr marL="0" indent="0">
-              <a:buNone/>
-            </a:pPr>
-            <a:endParaRPr lang="en-US" sz="2000" dirty="0"/>
-          </a:p>
-        </p:txBody>
-      </p:sp>
-    </p:spTree>
-    <p:extLst>
-      <p:ext uri="{BB962C8B-B14F-4D97-AF65-F5344CB8AC3E}">
-        <p14:creationId xmlns:p14="http://schemas.microsoft.com/office/powerpoint/2010/main" val="2888680375"/>
-      </p:ext>
-    </p:extLst>
-  </p:cSld>
-  <p:clrMapOvr>
-    <a:masterClrMapping/>
-  </p:clrMapOvr>
-</p:sld>
-</file>
-
-<file path=ppt/slides/slide6.xml><?xml version="1.0" encoding="utf-8"?>
-<p:sld xmlns:a="http://schemas.openxmlformats.org/drawingml/2006/main" xmlns:r="http://schemas.openxmlformats.org/officeDocument/2006/relationships" xmlns:p="http://schemas.openxmlformats.org/presentationml/2006/main">
-  <p:cSld>
-    <p:spTree>
-      <p:nvGrpSpPr>
-        <p:cNvPr id="1" name=""/>
-        <p:cNvGrpSpPr/>
-        <p:nvPr/>
-      </p:nvGrpSpPr>
-      <p:grpSpPr>
-        <a:xfrm>
-          <a:off x="0" y="0"/>
-          <a:ext cx="0" cy="0"/>
-          <a:chOff x="0" y="0"/>
-          <a:chExt cx="0" cy="0"/>
-        </a:xfrm>
-      </p:grpSpPr>
-      <p:sp>
-        <p:nvSpPr>
-          <p:cNvPr id="2" name="Title 1">
-            <a:extLst>
-              <a:ext uri="{FF2B5EF4-FFF2-40B4-BE49-F238E27FC236}">
-                <a16:creationId xmlns:a16="http://schemas.microsoft.com/office/drawing/2014/main" id="{10501DAF-B22B-504E-83A8-498E629D6E96}"/>
-              </a:ext>
-            </a:extLst>
-          </p:cNvPr>
-          <p:cNvSpPr>
-            <a:spLocks noGrp="1"/>
-          </p:cNvSpPr>
-          <p:nvPr>
-            <p:ph type="title"/>
-          </p:nvPr>
-        </p:nvSpPr>
-        <p:spPr/>
-        <p:txBody>
-          <a:bodyPr/>
-          <a:lstStyle/>
-          <a:p>
-            <a:r>
-              <a:rPr lang="en-US" dirty="0"/>
-              <a:t>The Developmental Process</a:t>
-            </a:r>
-          </a:p>
-        </p:txBody>
-      </p:sp>
-      <p:sp>
-        <p:nvSpPr>
-          <p:cNvPr id="5" name="Rectangle: Rounded Corners 4">
-            <a:extLst>
-              <a:ext uri="{FF2B5EF4-FFF2-40B4-BE49-F238E27FC236}">
-                <a16:creationId xmlns:a16="http://schemas.microsoft.com/office/drawing/2014/main" id="{59CEE1E4-F336-461F-B8F2-B23230884772}"/>
-              </a:ext>
-            </a:extLst>
-          </p:cNvPr>
-          <p:cNvSpPr/>
-          <p:nvPr/>
-        </p:nvSpPr>
-        <p:spPr>
-          <a:xfrm>
-            <a:off x="501445" y="2330245"/>
-            <a:ext cx="1093276" cy="1376516"/>
-          </a:xfrm>
-          <a:prstGeom prst="roundRect">
-            <a:avLst/>
-          </a:prstGeom>
-        </p:spPr>
-        <p:style>
-          <a:lnRef idx="2">
-            <a:schemeClr val="accent1">
-              <a:shade val="50000"/>
-            </a:schemeClr>
-          </a:lnRef>
-          <a:fillRef idx="1">
-            <a:schemeClr val="accent1"/>
-          </a:fillRef>
-          <a:effectRef idx="0">
-            <a:schemeClr val="accent1"/>
-          </a:effectRef>
-          <a:fontRef idx="minor">
-            <a:schemeClr val="lt1"/>
-          </a:fontRef>
-        </p:style>
-        <p:txBody>
-          <a:bodyPr rtlCol="0" anchor="ctr"/>
-          <a:lstStyle/>
-          <a:p>
-            <a:pPr algn="ctr"/>
-            <a:r>
-              <a:rPr lang="en-US" dirty="0"/>
-              <a:t>Maven Web Application</a:t>
-            </a:r>
-          </a:p>
-        </p:txBody>
-      </p:sp>
-      <p:sp>
-        <p:nvSpPr>
-          <p:cNvPr id="6" name="Rectangle: Rounded Corners 5">
-            <a:extLst>
-              <a:ext uri="{FF2B5EF4-FFF2-40B4-BE49-F238E27FC236}">
-                <a16:creationId xmlns:a16="http://schemas.microsoft.com/office/drawing/2014/main" id="{64F4B518-1116-418D-BE31-0AC84CA9592B}"/>
-              </a:ext>
-            </a:extLst>
-          </p:cNvPr>
-          <p:cNvSpPr/>
-          <p:nvPr/>
-        </p:nvSpPr>
-        <p:spPr>
-          <a:xfrm>
-            <a:off x="5515896" y="2359742"/>
-            <a:ext cx="1356853" cy="1376516"/>
-          </a:xfrm>
-          <a:prstGeom prst="roundRect">
-            <a:avLst/>
-          </a:prstGeom>
-        </p:spPr>
-        <p:style>
-          <a:lnRef idx="2">
-            <a:schemeClr val="accent1">
-              <a:shade val="50000"/>
-            </a:schemeClr>
-          </a:lnRef>
-          <a:fillRef idx="1">
-            <a:schemeClr val="accent1"/>
-          </a:fillRef>
-          <a:effectRef idx="0">
-            <a:schemeClr val="accent1"/>
-          </a:effectRef>
-          <a:fontRef idx="minor">
-            <a:schemeClr val="lt1"/>
-          </a:fontRef>
-        </p:style>
-        <p:txBody>
-          <a:bodyPr rtlCol="0" anchor="ctr"/>
-          <a:lstStyle/>
-          <a:p>
-            <a:pPr algn="ctr"/>
-            <a:r>
-              <a:rPr lang="en-US" dirty="0"/>
-              <a:t>GitHub</a:t>
-            </a:r>
-          </a:p>
-        </p:txBody>
-      </p:sp>
-      <p:sp>
-        <p:nvSpPr>
-          <p:cNvPr id="7" name="Rectangle: Rounded Corners 6">
-            <a:extLst>
-              <a:ext uri="{FF2B5EF4-FFF2-40B4-BE49-F238E27FC236}">
-                <a16:creationId xmlns:a16="http://schemas.microsoft.com/office/drawing/2014/main" id="{791D4AF5-AE35-4D83-A303-4173CEA6FC84}"/>
-              </a:ext>
-            </a:extLst>
-          </p:cNvPr>
-          <p:cNvSpPr/>
-          <p:nvPr/>
-        </p:nvSpPr>
-        <p:spPr>
-          <a:xfrm>
-            <a:off x="2428568" y="2359742"/>
-            <a:ext cx="1022555" cy="1347019"/>
-          </a:xfrm>
-          <a:prstGeom prst="roundRect">
-            <a:avLst/>
-          </a:prstGeom>
-        </p:spPr>
-        <p:style>
-          <a:lnRef idx="2">
-            <a:schemeClr val="accent1">
-              <a:shade val="50000"/>
-            </a:schemeClr>
-          </a:lnRef>
-          <a:fillRef idx="1">
-            <a:schemeClr val="accent1"/>
-          </a:fillRef>
-          <a:effectRef idx="0">
-            <a:schemeClr val="accent1"/>
-          </a:effectRef>
-          <a:fontRef idx="minor">
-            <a:schemeClr val="lt1"/>
-          </a:fontRef>
-        </p:style>
-        <p:txBody>
-          <a:bodyPr rtlCol="0" anchor="ctr"/>
-          <a:lstStyle/>
-          <a:p>
-            <a:pPr algn="ctr"/>
-            <a:r>
-              <a:rPr lang="en-US" dirty="0"/>
-              <a:t>Junit &amp; Sonar Cube</a:t>
-            </a:r>
-          </a:p>
-        </p:txBody>
-      </p:sp>
-      <p:sp>
-        <p:nvSpPr>
-          <p:cNvPr id="8" name="Flowchart: Decision 7">
-            <a:extLst>
-              <a:ext uri="{FF2B5EF4-FFF2-40B4-BE49-F238E27FC236}">
-                <a16:creationId xmlns:a16="http://schemas.microsoft.com/office/drawing/2014/main" id="{D7EECA33-7FEC-48BE-A4D6-4062223E62D1}"/>
-              </a:ext>
-            </a:extLst>
-          </p:cNvPr>
-          <p:cNvSpPr/>
-          <p:nvPr/>
-        </p:nvSpPr>
-        <p:spPr>
-          <a:xfrm>
-            <a:off x="3805084" y="2536723"/>
-            <a:ext cx="1514168" cy="1170038"/>
-          </a:xfrm>
-          <a:prstGeom prst="flowChartDecision">
-            <a:avLst/>
-          </a:prstGeom>
-        </p:spPr>
-        <p:style>
-          <a:lnRef idx="2">
-            <a:schemeClr val="accent1">
-              <a:shade val="50000"/>
-            </a:schemeClr>
-          </a:lnRef>
-          <a:fillRef idx="1">
-            <a:schemeClr val="accent1"/>
-          </a:fillRef>
-          <a:effectRef idx="0">
-            <a:schemeClr val="accent1"/>
-          </a:effectRef>
-          <a:fontRef idx="minor">
-            <a:schemeClr val="lt1"/>
-          </a:fontRef>
-        </p:style>
-        <p:txBody>
-          <a:bodyPr rtlCol="0" anchor="ctr"/>
-          <a:lstStyle/>
-          <a:p>
-            <a:pPr algn="ctr"/>
-            <a:r>
-              <a:rPr lang="en-US" dirty="0"/>
-              <a:t>Pass Build</a:t>
-            </a:r>
-          </a:p>
-        </p:txBody>
-      </p:sp>
-    </p:spTree>
-    <p:extLst>
-      <p:ext uri="{BB962C8B-B14F-4D97-AF65-F5344CB8AC3E}">
-        <p14:creationId xmlns:p14="http://schemas.microsoft.com/office/powerpoint/2010/main" val="2294286970"/>
-      </p:ext>
-    </p:extLst>
-  </p:cSld>
-  <p:clrMapOvr>
-    <a:masterClrMapping/>
-  </p:clrMapOvr>
-</p:sld>
-</file>
-
-<file path=ppt/slides/slide7.xml><?xml version="1.0" encoding="utf-8"?>
-<p:sld xmlns:a="http://schemas.openxmlformats.org/drawingml/2006/main" xmlns:r="http://schemas.openxmlformats.org/officeDocument/2006/relationships" xmlns:p="http://schemas.openxmlformats.org/presentationml/2006/main">
-  <p:cSld>
-    <p:spTree>
-      <p:nvGrpSpPr>
-        <p:cNvPr id="1" name=""/>
-        <p:cNvGrpSpPr/>
-        <p:nvPr/>
-      </p:nvGrpSpPr>
-      <p:grpSpPr>
-        <a:xfrm>
-          <a:off x="0" y="0"/>
-          <a:ext cx="0" cy="0"/>
-          <a:chOff x="0" y="0"/>
-          <a:chExt cx="0" cy="0"/>
-        </a:xfrm>
-      </p:grpSpPr>
-      <p:sp>
-        <p:nvSpPr>
-          <p:cNvPr id="2" name="Title 1">
-            <a:extLst>
-              <a:ext uri="{FF2B5EF4-FFF2-40B4-BE49-F238E27FC236}">
                 <a16:creationId xmlns:a16="http://schemas.microsoft.com/office/drawing/2014/main" id="{E61C7B8D-C59C-A945-81DC-192153CD0F3C}"/>
               </a:ext>
             </a:extLst>
@@ -17230,7 +16170,7 @@
 </p:sld>
 </file>
 
-<file path=ppt/slides/slide8.xml><?xml version="1.0" encoding="utf-8"?>
+<file path=ppt/slides/slide11.xml><?xml version="1.0" encoding="utf-8"?>
 <p:sld xmlns:a="http://schemas.openxmlformats.org/drawingml/2006/main" xmlns:r="http://schemas.openxmlformats.org/officeDocument/2006/relationships" xmlns:p="http://schemas.openxmlformats.org/presentationml/2006/main">
   <p:cSld>
     <p:spTree>
@@ -17533,6 +16473,1407 @@
 </p:sld>
 </file>
 
+<file path=ppt/slides/slide12.xml><?xml version="1.0" encoding="utf-8"?>
+<p:sld xmlns:a="http://schemas.openxmlformats.org/drawingml/2006/main" xmlns:r="http://schemas.openxmlformats.org/officeDocument/2006/relationships" xmlns:p="http://schemas.openxmlformats.org/presentationml/2006/main">
+  <p:cSld>
+    <p:spTree>
+      <p:nvGrpSpPr>
+        <p:cNvPr id="1" name=""/>
+        <p:cNvGrpSpPr/>
+        <p:nvPr/>
+      </p:nvGrpSpPr>
+      <p:grpSpPr>
+        <a:xfrm>
+          <a:off x="0" y="0"/>
+          <a:ext cx="0" cy="0"/>
+          <a:chOff x="0" y="0"/>
+          <a:chExt cx="0" cy="0"/>
+        </a:xfrm>
+      </p:grpSpPr>
+      <p:sp>
+        <p:nvSpPr>
+          <p:cNvPr id="2" name="Title 1">
+            <a:extLst>
+              <a:ext uri="{FF2B5EF4-FFF2-40B4-BE49-F238E27FC236}">
+                <a16:creationId xmlns:a16="http://schemas.microsoft.com/office/drawing/2014/main" id="{9E56D09F-9847-3542-9FCF-6DADE35D9190}"/>
+              </a:ext>
+            </a:extLst>
+          </p:cNvPr>
+          <p:cNvSpPr>
+            <a:spLocks noGrp="1"/>
+          </p:cNvSpPr>
+          <p:nvPr>
+            <p:ph type="title"/>
+          </p:nvPr>
+        </p:nvSpPr>
+        <p:spPr/>
+        <p:txBody>
+          <a:bodyPr/>
+          <a:lstStyle/>
+          <a:p>
+            <a:r>
+              <a:rPr lang="en-US" dirty="0"/>
+              <a:t>Learnings</a:t>
+            </a:r>
+          </a:p>
+        </p:txBody>
+      </p:sp>
+      <p:sp>
+        <p:nvSpPr>
+          <p:cNvPr id="7" name="Content Placeholder 2">
+            <a:extLst>
+              <a:ext uri="{FF2B5EF4-FFF2-40B4-BE49-F238E27FC236}">
+                <a16:creationId xmlns:a16="http://schemas.microsoft.com/office/drawing/2014/main" id="{B8763F38-562E-4443-9623-AF2A1F00CB6B}"/>
+              </a:ext>
+            </a:extLst>
+          </p:cNvPr>
+          <p:cNvSpPr>
+            <a:spLocks noGrp="1"/>
+          </p:cNvSpPr>
+          <p:nvPr>
+            <p:ph idx="1"/>
+          </p:nvPr>
+        </p:nvSpPr>
+        <p:spPr>
+          <a:xfrm>
+            <a:off x="824631" y="2404109"/>
+            <a:ext cx="9325240" cy="3302424"/>
+          </a:xfrm>
+        </p:spPr>
+        <p:txBody>
+          <a:bodyPr numCol="3">
+            <a:normAutofit/>
+          </a:bodyPr>
+          <a:lstStyle/>
+          <a:p>
+            <a:pPr marL="0" indent="0">
+              <a:buNone/>
+            </a:pPr>
+            <a:r>
+              <a:rPr lang="en-US" sz="1800" b="1" dirty="0" err="1"/>
+              <a:t>Github</a:t>
+            </a:r>
+            <a:r>
+              <a:rPr lang="en-US" sz="1400" b="1" dirty="0"/>
+              <a:t> – </a:t>
+            </a:r>
+            <a:r>
+              <a:rPr lang="en-US" sz="1400" dirty="0"/>
+              <a:t>Web based Code repository and version configuration tool for Distributed platform.</a:t>
+            </a:r>
+          </a:p>
+          <a:p>
+            <a:pPr marL="0" indent="0">
+              <a:buNone/>
+            </a:pPr>
+            <a:r>
+              <a:rPr lang="en-US" sz="1800" b="1" dirty="0"/>
+              <a:t>Jenkings</a:t>
+            </a:r>
+            <a:r>
+              <a:rPr lang="en-US" sz="1400" b="1" dirty="0"/>
+              <a:t> – </a:t>
+            </a:r>
+            <a:r>
+              <a:rPr lang="en-US" sz="1400" dirty="0"/>
+              <a:t>CI/CD tool to automate the deployment using pipelines and trigger jobs.</a:t>
+            </a:r>
+          </a:p>
+          <a:p>
+            <a:pPr marL="0" indent="0">
+              <a:buNone/>
+            </a:pPr>
+            <a:r>
+              <a:rPr lang="en-US" sz="1800" b="1" dirty="0"/>
+              <a:t>Junits –</a:t>
+            </a:r>
+            <a:r>
+              <a:rPr lang="en-US" sz="1400" dirty="0"/>
+              <a:t> Unit testing tool to do the JAVA code testing. This is commonly used for development of test-driven development</a:t>
+            </a:r>
+          </a:p>
+          <a:p>
+            <a:pPr marL="0" indent="0">
+              <a:buNone/>
+            </a:pPr>
+            <a:r>
+              <a:rPr lang="en-US" sz="1800" b="1" dirty="0"/>
+              <a:t>AWS Inspector </a:t>
+            </a:r>
+            <a:r>
+              <a:rPr lang="en-US" sz="1800" b="1"/>
+              <a:t>– </a:t>
+            </a:r>
+            <a:r>
+              <a:rPr lang="en-US" sz="1400"/>
+              <a:t>assesses applications </a:t>
+            </a:r>
+            <a:r>
+              <a:rPr lang="en-US" sz="1400" dirty="0"/>
+              <a:t>for vulnerabilities or deviations from best practices</a:t>
+            </a:r>
+          </a:p>
+        </p:txBody>
+      </p:sp>
+    </p:spTree>
+    <p:extLst>
+      <p:ext uri="{BB962C8B-B14F-4D97-AF65-F5344CB8AC3E}">
+        <p14:creationId xmlns:p14="http://schemas.microsoft.com/office/powerpoint/2010/main" val="3989003375"/>
+      </p:ext>
+    </p:extLst>
+  </p:cSld>
+  <p:clrMapOvr>
+    <a:masterClrMapping/>
+  </p:clrMapOvr>
+</p:sld>
+</file>
+
+<file path=ppt/slides/slide13.xml><?xml version="1.0" encoding="utf-8"?>
+<p:sld xmlns:a="http://schemas.openxmlformats.org/drawingml/2006/main" xmlns:r="http://schemas.openxmlformats.org/officeDocument/2006/relationships" xmlns:p="http://schemas.openxmlformats.org/presentationml/2006/main">
+  <p:cSld>
+    <p:spTree>
+      <p:nvGrpSpPr>
+        <p:cNvPr id="1" name=""/>
+        <p:cNvGrpSpPr/>
+        <p:nvPr/>
+      </p:nvGrpSpPr>
+      <p:grpSpPr>
+        <a:xfrm>
+          <a:off x="0" y="0"/>
+          <a:ext cx="0" cy="0"/>
+          <a:chOff x="0" y="0"/>
+          <a:chExt cx="0" cy="0"/>
+        </a:xfrm>
+      </p:grpSpPr>
+      <p:sp>
+        <p:nvSpPr>
+          <p:cNvPr id="2" name="Title 1">
+            <a:extLst>
+              <a:ext uri="{FF2B5EF4-FFF2-40B4-BE49-F238E27FC236}">
+                <a16:creationId xmlns:a16="http://schemas.microsoft.com/office/drawing/2014/main" id="{EF983CF0-83D7-1D4D-879D-22AD570C0BCE}"/>
+              </a:ext>
+            </a:extLst>
+          </p:cNvPr>
+          <p:cNvSpPr>
+            <a:spLocks noGrp="1"/>
+          </p:cNvSpPr>
+          <p:nvPr>
+            <p:ph type="title"/>
+          </p:nvPr>
+        </p:nvSpPr>
+        <p:spPr/>
+        <p:txBody>
+          <a:bodyPr/>
+          <a:lstStyle/>
+          <a:p>
+            <a:r>
+              <a:rPr lang="en-US" dirty="0"/>
+              <a:t>Thank you! Questions?</a:t>
+            </a:r>
+          </a:p>
+        </p:txBody>
+      </p:sp>
+    </p:spTree>
+    <p:extLst>
+      <p:ext uri="{BB962C8B-B14F-4D97-AF65-F5344CB8AC3E}">
+        <p14:creationId xmlns:p14="http://schemas.microsoft.com/office/powerpoint/2010/main" val="1504227060"/>
+      </p:ext>
+    </p:extLst>
+  </p:cSld>
+  <p:clrMapOvr>
+    <a:masterClrMapping/>
+  </p:clrMapOvr>
+</p:sld>
+</file>
+
+<file path=ppt/slides/slide14.xml><?xml version="1.0" encoding="utf-8"?>
+<p:sld xmlns:a="http://schemas.openxmlformats.org/drawingml/2006/main" xmlns:r="http://schemas.openxmlformats.org/officeDocument/2006/relationships" xmlns:p="http://schemas.openxmlformats.org/presentationml/2006/main">
+  <p:cSld>
+    <p:spTree>
+      <p:nvGrpSpPr>
+        <p:cNvPr id="1" name=""/>
+        <p:cNvGrpSpPr/>
+        <p:nvPr/>
+      </p:nvGrpSpPr>
+      <p:grpSpPr>
+        <a:xfrm>
+          <a:off x="0" y="0"/>
+          <a:ext cx="0" cy="0"/>
+          <a:chOff x="0" y="0"/>
+          <a:chExt cx="0" cy="0"/>
+        </a:xfrm>
+      </p:grpSpPr>
+      <p:sp>
+        <p:nvSpPr>
+          <p:cNvPr id="2" name="Title 1">
+            <a:extLst>
+              <a:ext uri="{FF2B5EF4-FFF2-40B4-BE49-F238E27FC236}">
+                <a16:creationId xmlns:a16="http://schemas.microsoft.com/office/drawing/2014/main" id="{4A969395-6AA4-449A-B2F6-D37FF44D4BEF}"/>
+              </a:ext>
+            </a:extLst>
+          </p:cNvPr>
+          <p:cNvSpPr>
+            <a:spLocks noGrp="1"/>
+          </p:cNvSpPr>
+          <p:nvPr>
+            <p:ph type="title"/>
+          </p:nvPr>
+        </p:nvSpPr>
+        <p:spPr/>
+        <p:txBody>
+          <a:bodyPr/>
+          <a:lstStyle/>
+          <a:p>
+            <a:pPr algn="ctr"/>
+            <a:r>
+              <a:rPr lang="en-US" dirty="0"/>
+              <a:t>References</a:t>
+            </a:r>
+          </a:p>
+        </p:txBody>
+      </p:sp>
+      <p:sp>
+        <p:nvSpPr>
+          <p:cNvPr id="3" name="Text Placeholder 2">
+            <a:extLst>
+              <a:ext uri="{FF2B5EF4-FFF2-40B4-BE49-F238E27FC236}">
+                <a16:creationId xmlns:a16="http://schemas.microsoft.com/office/drawing/2014/main" id="{5D1D4757-920B-4EBD-94C5-9F2DC49B4A4A}"/>
+              </a:ext>
+            </a:extLst>
+          </p:cNvPr>
+          <p:cNvSpPr>
+            <a:spLocks noGrp="1"/>
+          </p:cNvSpPr>
+          <p:nvPr>
+            <p:ph type="body" idx="1"/>
+          </p:nvPr>
+        </p:nvSpPr>
+        <p:spPr/>
+        <p:txBody>
+          <a:bodyPr/>
+          <a:lstStyle/>
+          <a:p>
+            <a:pPr marL="457200" indent="-457200" algn="l">
+              <a:buAutoNum type="arabicPeriod"/>
+            </a:pPr>
+            <a:r>
+              <a:rPr lang="en-US" dirty="0">
+                <a:hlinkClick r:id="rId2"/>
+              </a:rPr>
+              <a:t>https://www.infoworld.com/article/3271126/what-is-cicd-continuous-integration-and-continuous-delivery-explained.html</a:t>
+            </a:r>
+            <a:endParaRPr lang="en-US" dirty="0"/>
+          </a:p>
+          <a:p>
+            <a:pPr marL="457200" indent="-457200" algn="l">
+              <a:buAutoNum type="arabicPeriod"/>
+            </a:pPr>
+            <a:r>
+              <a:rPr lang="en-US" dirty="0">
+                <a:hlinkClick r:id="rId3"/>
+              </a:rPr>
+              <a:t>https://www.cprime.com/resources/what-is-agile-what-is-scrum/</a:t>
+            </a:r>
+            <a:endParaRPr lang="en-US" dirty="0"/>
+          </a:p>
+          <a:p>
+            <a:pPr marL="457200" indent="-457200" algn="l">
+              <a:buAutoNum type="arabicPeriod"/>
+            </a:pPr>
+            <a:endParaRPr lang="en-US" dirty="0"/>
+          </a:p>
+        </p:txBody>
+      </p:sp>
+    </p:spTree>
+    <p:extLst>
+      <p:ext uri="{BB962C8B-B14F-4D97-AF65-F5344CB8AC3E}">
+        <p14:creationId xmlns:p14="http://schemas.microsoft.com/office/powerpoint/2010/main" val="3976570615"/>
+      </p:ext>
+    </p:extLst>
+  </p:cSld>
+  <p:clrMapOvr>
+    <a:masterClrMapping/>
+  </p:clrMapOvr>
+</p:sld>
+</file>
+
+<file path=ppt/slides/slide2.xml><?xml version="1.0" encoding="utf-8"?>
+<p:sld xmlns:a="http://schemas.openxmlformats.org/drawingml/2006/main" xmlns:r="http://schemas.openxmlformats.org/officeDocument/2006/relationships" xmlns:p="http://schemas.openxmlformats.org/presentationml/2006/main">
+  <p:cSld>
+    <p:spTree>
+      <p:nvGrpSpPr>
+        <p:cNvPr id="1" name=""/>
+        <p:cNvGrpSpPr/>
+        <p:nvPr/>
+      </p:nvGrpSpPr>
+      <p:grpSpPr>
+        <a:xfrm>
+          <a:off x="0" y="0"/>
+          <a:ext cx="0" cy="0"/>
+          <a:chOff x="0" y="0"/>
+          <a:chExt cx="0" cy="0"/>
+        </a:xfrm>
+      </p:grpSpPr>
+      <p:sp>
+        <p:nvSpPr>
+          <p:cNvPr id="2" name="Title 1">
+            <a:extLst>
+              <a:ext uri="{FF2B5EF4-FFF2-40B4-BE49-F238E27FC236}">
+                <a16:creationId xmlns:a16="http://schemas.microsoft.com/office/drawing/2014/main" id="{38B71AD9-DB6C-1845-81E6-B379EBA353D9}"/>
+              </a:ext>
+            </a:extLst>
+          </p:cNvPr>
+          <p:cNvSpPr>
+            <a:spLocks noGrp="1"/>
+          </p:cNvSpPr>
+          <p:nvPr>
+            <p:ph type="title"/>
+          </p:nvPr>
+        </p:nvSpPr>
+        <p:spPr/>
+        <p:txBody>
+          <a:bodyPr/>
+          <a:lstStyle/>
+          <a:p>
+            <a:pPr algn="ctr"/>
+            <a:r>
+              <a:rPr lang="en-US" dirty="0" err="1"/>
+              <a:t>GweedoreDP</a:t>
+            </a:r>
+            <a:r>
+              <a:rPr lang="en-US" dirty="0"/>
+              <a:t> Overview</a:t>
+            </a:r>
+          </a:p>
+        </p:txBody>
+      </p:sp>
+      <p:sp>
+        <p:nvSpPr>
+          <p:cNvPr id="3" name="Content Placeholder 2">
+            <a:extLst>
+              <a:ext uri="{FF2B5EF4-FFF2-40B4-BE49-F238E27FC236}">
+                <a16:creationId xmlns:a16="http://schemas.microsoft.com/office/drawing/2014/main" id="{D1902182-3377-F445-8929-24CC05037B07}"/>
+              </a:ext>
+            </a:extLst>
+          </p:cNvPr>
+          <p:cNvSpPr>
+            <a:spLocks noGrp="1"/>
+          </p:cNvSpPr>
+          <p:nvPr>
+            <p:ph idx="1"/>
+          </p:nvPr>
+        </p:nvSpPr>
+        <p:spPr>
+          <a:xfrm>
+            <a:off x="680321" y="2438399"/>
+            <a:ext cx="9613861" cy="3497789"/>
+          </a:xfrm>
+        </p:spPr>
+        <p:txBody>
+          <a:bodyPr>
+            <a:normAutofit fontScale="85000" lnSpcReduction="10000"/>
+          </a:bodyPr>
+          <a:lstStyle/>
+          <a:p>
+            <a:pPr marL="0" indent="0">
+              <a:buNone/>
+            </a:pPr>
+            <a:r>
+              <a:rPr lang="en-US" sz="2100" b="1" dirty="0"/>
+              <a:t>What is </a:t>
+            </a:r>
+            <a:r>
+              <a:rPr lang="en-US" sz="2100" b="1" dirty="0" err="1"/>
+              <a:t>GweedoreDP</a:t>
+            </a:r>
+            <a:r>
+              <a:rPr lang="en-US" sz="2100" b="1" dirty="0"/>
+              <a:t>?</a:t>
+            </a:r>
+          </a:p>
+          <a:p>
+            <a:r>
+              <a:rPr lang="en-US" sz="1900" dirty="0"/>
+              <a:t>It is an LYIT team project to demonstrate the team has gained an understanding of the DevOps model of Continuous Improvement/Continuous Delivery using an Agile Methodology.     </a:t>
+            </a:r>
+            <a:endParaRPr lang="en-US" sz="1800" b="1" dirty="0"/>
+          </a:p>
+          <a:p>
+            <a:pPr marL="0" indent="0">
+              <a:buNone/>
+            </a:pPr>
+            <a:r>
+              <a:rPr lang="en-US" sz="1900" b="1" dirty="0"/>
+              <a:t>What is CI/CD? </a:t>
+            </a:r>
+          </a:p>
+          <a:p>
+            <a:r>
+              <a:rPr lang="en-US" sz="1900" dirty="0"/>
+              <a:t>Continuous integration (CI) and continuous delivery (CD) embody a culture, a set of operating principles, and a collection of practices that enable application development teams to deliver code changes more frequently and reliably. (1)</a:t>
+            </a:r>
+          </a:p>
+          <a:p>
+            <a:pPr marL="0" indent="0">
+              <a:buNone/>
+            </a:pPr>
+            <a:r>
+              <a:rPr lang="en-US" sz="1900" b="1" dirty="0"/>
+              <a:t>What is Agile?</a:t>
+            </a:r>
+            <a:r>
+              <a:rPr lang="en-US" sz="1900" dirty="0"/>
+              <a:t> </a:t>
+            </a:r>
+          </a:p>
+          <a:p>
+            <a:r>
+              <a:rPr lang="en-US" sz="1900" dirty="0"/>
+              <a:t>Agile software development is centered round the idea of iterative development, where requirements and solutions evolve through collaboration between  self-organizing cross-functional teams.</a:t>
+            </a:r>
+          </a:p>
+          <a:p>
+            <a:r>
+              <a:rPr lang="en-US" sz="1900" dirty="0"/>
+              <a:t>The ultimate value in Agile development is that it enables teams to deliver value faster, with greater quality and predictability. (2)</a:t>
+            </a:r>
+          </a:p>
+        </p:txBody>
+      </p:sp>
+    </p:spTree>
+    <p:extLst>
+      <p:ext uri="{BB962C8B-B14F-4D97-AF65-F5344CB8AC3E}">
+        <p14:creationId xmlns:p14="http://schemas.microsoft.com/office/powerpoint/2010/main" val="2972473386"/>
+      </p:ext>
+    </p:extLst>
+  </p:cSld>
+  <p:clrMapOvr>
+    <a:masterClrMapping/>
+  </p:clrMapOvr>
+</p:sld>
+</file>
+
+<file path=ppt/slides/slide3.xml><?xml version="1.0" encoding="utf-8"?>
+<p:sld xmlns:a="http://schemas.openxmlformats.org/drawingml/2006/main" xmlns:r="http://schemas.openxmlformats.org/officeDocument/2006/relationships" xmlns:p="http://schemas.openxmlformats.org/presentationml/2006/main">
+  <p:cSld>
+    <p:spTree>
+      <p:nvGrpSpPr>
+        <p:cNvPr id="1" name=""/>
+        <p:cNvGrpSpPr/>
+        <p:nvPr/>
+      </p:nvGrpSpPr>
+      <p:grpSpPr>
+        <a:xfrm>
+          <a:off x="0" y="0"/>
+          <a:ext cx="0" cy="0"/>
+          <a:chOff x="0" y="0"/>
+          <a:chExt cx="0" cy="0"/>
+        </a:xfrm>
+      </p:grpSpPr>
+      <p:sp>
+        <p:nvSpPr>
+          <p:cNvPr id="2" name="Title 1">
+            <a:extLst>
+              <a:ext uri="{FF2B5EF4-FFF2-40B4-BE49-F238E27FC236}">
+                <a16:creationId xmlns:a16="http://schemas.microsoft.com/office/drawing/2014/main" id="{ECCFEFFC-008E-9443-9C7C-31AA51C39218}"/>
+              </a:ext>
+            </a:extLst>
+          </p:cNvPr>
+          <p:cNvSpPr>
+            <a:spLocks noGrp="1"/>
+          </p:cNvSpPr>
+          <p:nvPr>
+            <p:ph type="title"/>
+          </p:nvPr>
+        </p:nvSpPr>
+        <p:spPr/>
+        <p:txBody>
+          <a:bodyPr/>
+          <a:lstStyle/>
+          <a:p>
+            <a:pPr algn="ctr"/>
+            <a:r>
+              <a:rPr lang="en-US" dirty="0"/>
+              <a:t>Problem Statement  </a:t>
+            </a:r>
+          </a:p>
+        </p:txBody>
+      </p:sp>
+      <p:sp>
+        <p:nvSpPr>
+          <p:cNvPr id="4" name="Content Placeholder 2">
+            <a:extLst>
+              <a:ext uri="{FF2B5EF4-FFF2-40B4-BE49-F238E27FC236}">
+                <a16:creationId xmlns:a16="http://schemas.microsoft.com/office/drawing/2014/main" id="{1EDFA6C4-E69C-C24C-916B-F91E58657775}"/>
+              </a:ext>
+            </a:extLst>
+          </p:cNvPr>
+          <p:cNvSpPr>
+            <a:spLocks noGrp="1"/>
+          </p:cNvSpPr>
+          <p:nvPr>
+            <p:ph idx="1"/>
+          </p:nvPr>
+        </p:nvSpPr>
+        <p:spPr>
+          <a:xfrm>
+            <a:off x="680321" y="2336873"/>
+            <a:ext cx="9613861" cy="3599316"/>
+          </a:xfrm>
+        </p:spPr>
+        <p:txBody>
+          <a:bodyPr/>
+          <a:lstStyle/>
+          <a:p>
+            <a:pPr marL="0" indent="0">
+              <a:buNone/>
+            </a:pPr>
+            <a:r>
+              <a:rPr lang="en-US" sz="2000" b="1" dirty="0"/>
+              <a:t>Problem Statement:</a:t>
+            </a:r>
+          </a:p>
+          <a:p>
+            <a:pPr marL="0" indent="0">
+              <a:buNone/>
+            </a:pPr>
+            <a:r>
+              <a:rPr lang="en-US" sz="2000" dirty="0"/>
+              <a:t>The </a:t>
+            </a:r>
+            <a:r>
+              <a:rPr lang="en-US" sz="2000" dirty="0" err="1"/>
+              <a:t>GweedoreDP</a:t>
+            </a:r>
+            <a:r>
+              <a:rPr lang="en-US" sz="2000" dirty="0"/>
+              <a:t> (development partnership) has asked Team Marvel to build a web application to provide meeting rooms, administrative services and  coronavirus related resources links and information.</a:t>
+            </a:r>
+          </a:p>
+          <a:p>
+            <a:pPr marL="0" indent="0">
+              <a:buNone/>
+            </a:pPr>
+            <a:r>
+              <a:rPr lang="en-US" sz="2000" dirty="0"/>
+              <a:t>Due to the district having to close its parish offices and the urgency of the getting information to the public about Coronavirus the project delivery date has been set as June 26, 2020. The </a:t>
+            </a:r>
+            <a:r>
+              <a:rPr lang="en-US" sz="2000" dirty="0" err="1"/>
+              <a:t>GweedoreDP</a:t>
+            </a:r>
+            <a:r>
+              <a:rPr lang="en-US" sz="2000" dirty="0"/>
+              <a:t> is asking Team Marvel to use an Agile deliver process delivering functionality in phases rather than waiting to deliver the entire project functionality at the end of the project.</a:t>
+            </a:r>
+          </a:p>
+          <a:p>
+            <a:pPr marL="0" indent="0">
+              <a:buNone/>
+            </a:pPr>
+            <a:r>
+              <a:rPr lang="en-US" sz="2000" dirty="0"/>
+              <a:t>The district of Gweedore is using emergency funding for this project and asks Team Marvel to reduce costs when ever possible.             </a:t>
+            </a:r>
+          </a:p>
+          <a:p>
+            <a:pPr marL="0" indent="0">
+              <a:buNone/>
+            </a:pPr>
+            <a:endParaRPr lang="en-US" sz="2000" dirty="0"/>
+          </a:p>
+          <a:p>
+            <a:pPr marL="0" indent="0">
+              <a:buNone/>
+            </a:pPr>
+            <a:endParaRPr lang="en-US" sz="2000" dirty="0"/>
+          </a:p>
+        </p:txBody>
+      </p:sp>
+    </p:spTree>
+    <p:extLst>
+      <p:ext uri="{BB962C8B-B14F-4D97-AF65-F5344CB8AC3E}">
+        <p14:creationId xmlns:p14="http://schemas.microsoft.com/office/powerpoint/2010/main" val="3043229972"/>
+      </p:ext>
+    </p:extLst>
+  </p:cSld>
+  <p:clrMapOvr>
+    <a:masterClrMapping/>
+  </p:clrMapOvr>
+</p:sld>
+</file>
+
+<file path=ppt/slides/slide4.xml><?xml version="1.0" encoding="utf-8"?>
+<p:sld xmlns:a="http://schemas.openxmlformats.org/drawingml/2006/main" xmlns:r="http://schemas.openxmlformats.org/officeDocument/2006/relationships" xmlns:p="http://schemas.openxmlformats.org/presentationml/2006/main">
+  <p:cSld>
+    <p:spTree>
+      <p:nvGrpSpPr>
+        <p:cNvPr id="1" name=""/>
+        <p:cNvGrpSpPr/>
+        <p:nvPr/>
+      </p:nvGrpSpPr>
+      <p:grpSpPr>
+        <a:xfrm>
+          <a:off x="0" y="0"/>
+          <a:ext cx="0" cy="0"/>
+          <a:chOff x="0" y="0"/>
+          <a:chExt cx="0" cy="0"/>
+        </a:xfrm>
+      </p:grpSpPr>
+      <p:sp>
+        <p:nvSpPr>
+          <p:cNvPr id="2" name="Title 1">
+            <a:extLst>
+              <a:ext uri="{FF2B5EF4-FFF2-40B4-BE49-F238E27FC236}">
+                <a16:creationId xmlns:a16="http://schemas.microsoft.com/office/drawing/2014/main" id="{380149D2-9B95-E942-A598-834D27F7CC34}"/>
+              </a:ext>
+            </a:extLst>
+          </p:cNvPr>
+          <p:cNvSpPr>
+            <a:spLocks noGrp="1"/>
+          </p:cNvSpPr>
+          <p:nvPr>
+            <p:ph type="title"/>
+          </p:nvPr>
+        </p:nvSpPr>
+        <p:spPr/>
+        <p:txBody>
+          <a:bodyPr/>
+          <a:lstStyle/>
+          <a:p>
+            <a:pPr algn="ctr"/>
+            <a:r>
+              <a:rPr lang="en-US" dirty="0"/>
+              <a:t>Why did we choose these technologies?</a:t>
+            </a:r>
+          </a:p>
+        </p:txBody>
+      </p:sp>
+      <p:sp>
+        <p:nvSpPr>
+          <p:cNvPr id="3" name="Content Placeholder 2">
+            <a:extLst>
+              <a:ext uri="{FF2B5EF4-FFF2-40B4-BE49-F238E27FC236}">
+                <a16:creationId xmlns:a16="http://schemas.microsoft.com/office/drawing/2014/main" id="{4954B03B-CDFE-524D-A096-5D0F96FB2155}"/>
+              </a:ext>
+            </a:extLst>
+          </p:cNvPr>
+          <p:cNvSpPr>
+            <a:spLocks noGrp="1"/>
+          </p:cNvSpPr>
+          <p:nvPr>
+            <p:ph idx="1"/>
+          </p:nvPr>
+        </p:nvSpPr>
+        <p:spPr/>
+        <p:txBody>
+          <a:bodyPr>
+            <a:normAutofit lnSpcReduction="10000"/>
+          </a:bodyPr>
+          <a:lstStyle/>
+          <a:p>
+            <a:pPr marL="0" indent="0">
+              <a:buNone/>
+            </a:pPr>
+            <a:r>
+              <a:rPr lang="en-US" sz="2800" dirty="0"/>
+              <a:t>We have chosen to use Amazon’s AWS cloud computing services to host the web application for the following reasons;</a:t>
+            </a:r>
+          </a:p>
+          <a:p>
+            <a:pPr marL="0" indent="0">
+              <a:buNone/>
+            </a:pPr>
+            <a:r>
+              <a:rPr lang="en-US" sz="2800" dirty="0"/>
+              <a:t>Reduced Cost, no physical hard ware will be required to host the application. Amazon’s pricing model is based on fee for service. If the district of Gweedore choses to discontinue the application, there is no penalty to do so.    </a:t>
+            </a:r>
+          </a:p>
+          <a:p>
+            <a:pPr marL="0" indent="0">
+              <a:buNone/>
+            </a:pPr>
+            <a:r>
+              <a:rPr lang="en-US" sz="2800" dirty="0"/>
+              <a:t>Scalability, the Amazon instance Team Marvel has set up has automatic scalability and load balancing installed.</a:t>
+            </a:r>
+          </a:p>
+          <a:p>
+            <a:pPr marL="0" indent="0">
+              <a:buNone/>
+            </a:pPr>
+            <a:endParaRPr lang="en-US" sz="2200" dirty="0"/>
+          </a:p>
+          <a:p>
+            <a:pPr marL="0" indent="0">
+              <a:buNone/>
+            </a:pPr>
+            <a:endParaRPr lang="en-US" sz="2000" dirty="0"/>
+          </a:p>
+        </p:txBody>
+      </p:sp>
+    </p:spTree>
+    <p:extLst>
+      <p:ext uri="{BB962C8B-B14F-4D97-AF65-F5344CB8AC3E}">
+        <p14:creationId xmlns:p14="http://schemas.microsoft.com/office/powerpoint/2010/main" val="2888680375"/>
+      </p:ext>
+    </p:extLst>
+  </p:cSld>
+  <p:clrMapOvr>
+    <a:masterClrMapping/>
+  </p:clrMapOvr>
+</p:sld>
+</file>
+
+<file path=ppt/slides/slide5.xml><?xml version="1.0" encoding="utf-8"?>
+<p:sld xmlns:a="http://schemas.openxmlformats.org/drawingml/2006/main" xmlns:r="http://schemas.openxmlformats.org/officeDocument/2006/relationships" xmlns:p="http://schemas.openxmlformats.org/presentationml/2006/main">
+  <p:cSld>
+    <p:spTree>
+      <p:nvGrpSpPr>
+        <p:cNvPr id="1" name=""/>
+        <p:cNvGrpSpPr/>
+        <p:nvPr/>
+      </p:nvGrpSpPr>
+      <p:grpSpPr>
+        <a:xfrm>
+          <a:off x="0" y="0"/>
+          <a:ext cx="0" cy="0"/>
+          <a:chOff x="0" y="0"/>
+          <a:chExt cx="0" cy="0"/>
+        </a:xfrm>
+      </p:grpSpPr>
+      <p:sp>
+        <p:nvSpPr>
+          <p:cNvPr id="2" name="Title 1">
+            <a:extLst>
+              <a:ext uri="{FF2B5EF4-FFF2-40B4-BE49-F238E27FC236}">
+                <a16:creationId xmlns:a16="http://schemas.microsoft.com/office/drawing/2014/main" id="{ECCFEFFC-008E-9443-9C7C-31AA51C39218}"/>
+              </a:ext>
+            </a:extLst>
+          </p:cNvPr>
+          <p:cNvSpPr>
+            <a:spLocks noGrp="1"/>
+          </p:cNvSpPr>
+          <p:nvPr>
+            <p:ph type="title"/>
+          </p:nvPr>
+        </p:nvSpPr>
+        <p:spPr/>
+        <p:txBody>
+          <a:bodyPr/>
+          <a:lstStyle/>
+          <a:p>
+            <a:pPr algn="ctr"/>
+            <a:r>
+              <a:rPr lang="en-US" dirty="0"/>
+              <a:t>Problem Solution</a:t>
+            </a:r>
+          </a:p>
+        </p:txBody>
+      </p:sp>
+      <p:sp>
+        <p:nvSpPr>
+          <p:cNvPr id="4" name="Content Placeholder 2">
+            <a:extLst>
+              <a:ext uri="{FF2B5EF4-FFF2-40B4-BE49-F238E27FC236}">
+                <a16:creationId xmlns:a16="http://schemas.microsoft.com/office/drawing/2014/main" id="{1EDFA6C4-E69C-C24C-916B-F91E58657775}"/>
+              </a:ext>
+            </a:extLst>
+          </p:cNvPr>
+          <p:cNvSpPr>
+            <a:spLocks noGrp="1"/>
+          </p:cNvSpPr>
+          <p:nvPr>
+            <p:ph idx="1"/>
+          </p:nvPr>
+        </p:nvSpPr>
+        <p:spPr>
+          <a:xfrm>
+            <a:off x="680321" y="2336873"/>
+            <a:ext cx="9613861" cy="3599316"/>
+          </a:xfrm>
+        </p:spPr>
+        <p:txBody>
+          <a:bodyPr>
+            <a:normAutofit fontScale="32500" lnSpcReduction="20000"/>
+          </a:bodyPr>
+          <a:lstStyle/>
+          <a:p>
+            <a:pPr marL="0" indent="0">
+              <a:buNone/>
+            </a:pPr>
+            <a:endParaRPr lang="en-US" sz="6400" dirty="0"/>
+          </a:p>
+          <a:p>
+            <a:pPr marL="0" indent="0">
+              <a:buNone/>
+            </a:pPr>
+            <a:r>
+              <a:rPr lang="en-US" sz="6400" dirty="0"/>
+              <a:t>Team Marvel has adapted an agile approach to this project which will be comprised of seven sprints. </a:t>
+            </a:r>
+          </a:p>
+          <a:p>
+            <a:pPr marL="0" indent="0">
+              <a:buNone/>
+            </a:pPr>
+            <a:r>
+              <a:rPr lang="en-US" sz="6400" dirty="0"/>
+              <a:t>All issues, user stories and sprint information will be logged in Trello. </a:t>
+            </a:r>
+            <a:r>
+              <a:rPr lang="en-US" sz="6400" dirty="0">
+                <a:hlinkClick r:id="rId2"/>
+              </a:rPr>
+              <a:t>https://trello.com/b/wVBCAwD8/gweedoredp</a:t>
+            </a:r>
+            <a:r>
+              <a:rPr lang="en-US" sz="6400" dirty="0"/>
+              <a:t>  </a:t>
+            </a:r>
+          </a:p>
+          <a:p>
+            <a:pPr marL="0" indent="0">
+              <a:buNone/>
+            </a:pPr>
+            <a:endParaRPr lang="en-US" sz="6400" dirty="0"/>
+          </a:p>
+          <a:p>
+            <a:pPr marL="0" indent="0">
+              <a:buNone/>
+            </a:pPr>
+            <a:r>
+              <a:rPr lang="en-US" sz="6400" dirty="0"/>
+              <a:t>All source code and project documentation will be stored in GitHub.</a:t>
+            </a:r>
+          </a:p>
+          <a:p>
+            <a:pPr marL="0" indent="0">
+              <a:buNone/>
+            </a:pPr>
+            <a:r>
+              <a:rPr lang="en-US" sz="6400" dirty="0">
+                <a:hlinkClick r:id="rId3"/>
+              </a:rPr>
+              <a:t>https://github.com/rlennon/GweedoreDP</a:t>
+            </a:r>
+            <a:endParaRPr lang="en-US" sz="6400" dirty="0"/>
+          </a:p>
+          <a:p>
+            <a:pPr marL="0" indent="0">
+              <a:buNone/>
+            </a:pPr>
+            <a:endParaRPr lang="en-US" sz="6400" dirty="0"/>
+          </a:p>
+          <a:p>
+            <a:pPr marL="0" indent="0">
+              <a:buNone/>
+            </a:pPr>
+            <a:endParaRPr lang="en-US" sz="2000" dirty="0"/>
+          </a:p>
+          <a:p>
+            <a:pPr marL="0" indent="0">
+              <a:buNone/>
+            </a:pPr>
+            <a:endParaRPr lang="en-US" sz="2000" dirty="0"/>
+          </a:p>
+          <a:p>
+            <a:pPr marL="0" indent="0">
+              <a:buNone/>
+            </a:pPr>
+            <a:r>
+              <a:rPr lang="en-US" sz="2000" dirty="0"/>
+              <a:t> </a:t>
+            </a:r>
+          </a:p>
+          <a:p>
+            <a:pPr marL="0" indent="0">
+              <a:buNone/>
+            </a:pPr>
+            <a:endParaRPr lang="en-US" sz="2000" dirty="0"/>
+          </a:p>
+          <a:p>
+            <a:pPr marL="0" indent="0">
+              <a:buNone/>
+            </a:pPr>
+            <a:endParaRPr lang="en-US" sz="2000" dirty="0"/>
+          </a:p>
+          <a:p>
+            <a:pPr marL="0" indent="0">
+              <a:buNone/>
+            </a:pPr>
+            <a:endParaRPr lang="en-US" sz="2000" dirty="0"/>
+          </a:p>
+        </p:txBody>
+      </p:sp>
+    </p:spTree>
+    <p:extLst>
+      <p:ext uri="{BB962C8B-B14F-4D97-AF65-F5344CB8AC3E}">
+        <p14:creationId xmlns:p14="http://schemas.microsoft.com/office/powerpoint/2010/main" val="2141955362"/>
+      </p:ext>
+    </p:extLst>
+  </p:cSld>
+  <p:clrMapOvr>
+    <a:masterClrMapping/>
+  </p:clrMapOvr>
+</p:sld>
+</file>
+
+<file path=ppt/slides/slide6.xml><?xml version="1.0" encoding="utf-8"?>
+<p:sld xmlns:a="http://schemas.openxmlformats.org/drawingml/2006/main" xmlns:r="http://schemas.openxmlformats.org/officeDocument/2006/relationships" xmlns:p="http://schemas.openxmlformats.org/presentationml/2006/main">
+  <p:cSld>
+    <p:spTree>
+      <p:nvGrpSpPr>
+        <p:cNvPr id="1" name=""/>
+        <p:cNvGrpSpPr/>
+        <p:nvPr/>
+      </p:nvGrpSpPr>
+      <p:grpSpPr>
+        <a:xfrm>
+          <a:off x="0" y="0"/>
+          <a:ext cx="0" cy="0"/>
+          <a:chOff x="0" y="0"/>
+          <a:chExt cx="0" cy="0"/>
+        </a:xfrm>
+      </p:grpSpPr>
+      <p:sp>
+        <p:nvSpPr>
+          <p:cNvPr id="2" name="Title 1">
+            <a:extLst>
+              <a:ext uri="{FF2B5EF4-FFF2-40B4-BE49-F238E27FC236}">
+                <a16:creationId xmlns:a16="http://schemas.microsoft.com/office/drawing/2014/main" id="{ECCFEFFC-008E-9443-9C7C-31AA51C39218}"/>
+              </a:ext>
+            </a:extLst>
+          </p:cNvPr>
+          <p:cNvSpPr>
+            <a:spLocks noGrp="1"/>
+          </p:cNvSpPr>
+          <p:nvPr>
+            <p:ph type="title"/>
+          </p:nvPr>
+        </p:nvSpPr>
+        <p:spPr/>
+        <p:txBody>
+          <a:bodyPr/>
+          <a:lstStyle/>
+          <a:p>
+            <a:pPr algn="ctr"/>
+            <a:r>
+              <a:rPr lang="en-US" dirty="0"/>
+              <a:t>Problem Solution</a:t>
+            </a:r>
+          </a:p>
+        </p:txBody>
+      </p:sp>
+      <p:sp>
+        <p:nvSpPr>
+          <p:cNvPr id="4" name="Content Placeholder 2">
+            <a:extLst>
+              <a:ext uri="{FF2B5EF4-FFF2-40B4-BE49-F238E27FC236}">
+                <a16:creationId xmlns:a16="http://schemas.microsoft.com/office/drawing/2014/main" id="{1EDFA6C4-E69C-C24C-916B-F91E58657775}"/>
+              </a:ext>
+            </a:extLst>
+          </p:cNvPr>
+          <p:cNvSpPr>
+            <a:spLocks noGrp="1"/>
+          </p:cNvSpPr>
+          <p:nvPr>
+            <p:ph idx="1"/>
+          </p:nvPr>
+        </p:nvSpPr>
+        <p:spPr>
+          <a:xfrm>
+            <a:off x="680321" y="2336873"/>
+            <a:ext cx="9613861" cy="3599316"/>
+          </a:xfrm>
+        </p:spPr>
+        <p:txBody>
+          <a:bodyPr>
+            <a:normAutofit fontScale="32500" lnSpcReduction="20000"/>
+          </a:bodyPr>
+          <a:lstStyle/>
+          <a:p>
+            <a:pPr marL="0" indent="0">
+              <a:buNone/>
+            </a:pPr>
+            <a:endParaRPr lang="en-US" sz="6400" dirty="0"/>
+          </a:p>
+          <a:p>
+            <a:pPr marL="0" indent="0">
+              <a:buNone/>
+            </a:pPr>
+            <a:r>
+              <a:rPr lang="en-US" sz="6400" dirty="0"/>
+              <a:t>Java will be the source code coding language using a Maven Framework. Unit Testing software to be done using Junit.  </a:t>
+            </a:r>
+          </a:p>
+          <a:p>
+            <a:pPr marL="0" indent="0">
+              <a:buNone/>
+            </a:pPr>
+            <a:endParaRPr lang="en-US" sz="6400" dirty="0"/>
+          </a:p>
+          <a:p>
+            <a:pPr marL="0" indent="0">
+              <a:buNone/>
+            </a:pPr>
+            <a:r>
+              <a:rPr lang="en-US" sz="6400" dirty="0"/>
+              <a:t>API documentation will be done utilizing </a:t>
+            </a:r>
+            <a:r>
+              <a:rPr lang="en-US" sz="6400" dirty="0" err="1"/>
+              <a:t>Javadocs</a:t>
+            </a:r>
+            <a:r>
+              <a:rPr lang="en-US" sz="6400" dirty="0"/>
+              <a:t> and available in the GitHub repository.</a:t>
+            </a:r>
+          </a:p>
+          <a:p>
+            <a:pPr marL="0" indent="0">
+              <a:buNone/>
+            </a:pPr>
+            <a:r>
+              <a:rPr lang="en-US" sz="6400" dirty="0"/>
+              <a:t>  </a:t>
+            </a:r>
+          </a:p>
+          <a:p>
+            <a:pPr marL="0" indent="0">
+              <a:buNone/>
+            </a:pPr>
+            <a:r>
+              <a:rPr lang="en-US" sz="6400" dirty="0"/>
+              <a:t>Deployments will be done using a Jenkins pipeline. </a:t>
+            </a:r>
+          </a:p>
+          <a:p>
+            <a:pPr marL="0" indent="0">
+              <a:buNone/>
+            </a:pPr>
+            <a:endParaRPr lang="en-US" sz="2000" dirty="0"/>
+          </a:p>
+          <a:p>
+            <a:pPr marL="0" indent="0">
+              <a:buNone/>
+            </a:pPr>
+            <a:endParaRPr lang="en-US" sz="2000" dirty="0"/>
+          </a:p>
+          <a:p>
+            <a:pPr marL="0" indent="0">
+              <a:buNone/>
+            </a:pPr>
+            <a:endParaRPr lang="en-US" sz="2000" dirty="0"/>
+          </a:p>
+          <a:p>
+            <a:pPr marL="0" indent="0">
+              <a:buNone/>
+            </a:pPr>
+            <a:r>
+              <a:rPr lang="en-US" sz="2000" dirty="0"/>
+              <a:t> </a:t>
+            </a:r>
+          </a:p>
+          <a:p>
+            <a:pPr marL="0" indent="0">
+              <a:buNone/>
+            </a:pPr>
+            <a:endParaRPr lang="en-US" sz="2000" dirty="0"/>
+          </a:p>
+          <a:p>
+            <a:pPr marL="0" indent="0">
+              <a:buNone/>
+            </a:pPr>
+            <a:endParaRPr lang="en-US" sz="2000" dirty="0"/>
+          </a:p>
+          <a:p>
+            <a:pPr marL="0" indent="0">
+              <a:buNone/>
+            </a:pPr>
+            <a:endParaRPr lang="en-US" sz="2000" dirty="0"/>
+          </a:p>
+        </p:txBody>
+      </p:sp>
+    </p:spTree>
+    <p:extLst>
+      <p:ext uri="{BB962C8B-B14F-4D97-AF65-F5344CB8AC3E}">
+        <p14:creationId xmlns:p14="http://schemas.microsoft.com/office/powerpoint/2010/main" val="3836764481"/>
+      </p:ext>
+    </p:extLst>
+  </p:cSld>
+  <p:clrMapOvr>
+    <a:masterClrMapping/>
+  </p:clrMapOvr>
+</p:sld>
+</file>
+
+<file path=ppt/slides/slide7.xml><?xml version="1.0" encoding="utf-8"?>
+<p:sld xmlns:a="http://schemas.openxmlformats.org/drawingml/2006/main" xmlns:r="http://schemas.openxmlformats.org/officeDocument/2006/relationships" xmlns:p="http://schemas.openxmlformats.org/presentationml/2006/main">
+  <p:cSld>
+    <p:spTree>
+      <p:nvGrpSpPr>
+        <p:cNvPr id="1" name=""/>
+        <p:cNvGrpSpPr/>
+        <p:nvPr/>
+      </p:nvGrpSpPr>
+      <p:grpSpPr>
+        <a:xfrm>
+          <a:off x="0" y="0"/>
+          <a:ext cx="0" cy="0"/>
+          <a:chOff x="0" y="0"/>
+          <a:chExt cx="0" cy="0"/>
+        </a:xfrm>
+      </p:grpSpPr>
+      <p:sp>
+        <p:nvSpPr>
+          <p:cNvPr id="2" name="Title 1">
+            <a:extLst>
+              <a:ext uri="{FF2B5EF4-FFF2-40B4-BE49-F238E27FC236}">
+                <a16:creationId xmlns:a16="http://schemas.microsoft.com/office/drawing/2014/main" id="{ECCFEFFC-008E-9443-9C7C-31AA51C39218}"/>
+              </a:ext>
+            </a:extLst>
+          </p:cNvPr>
+          <p:cNvSpPr>
+            <a:spLocks noGrp="1"/>
+          </p:cNvSpPr>
+          <p:nvPr>
+            <p:ph type="title"/>
+          </p:nvPr>
+        </p:nvSpPr>
+        <p:spPr/>
+        <p:txBody>
+          <a:bodyPr/>
+          <a:lstStyle/>
+          <a:p>
+            <a:pPr algn="ctr"/>
+            <a:r>
+              <a:rPr lang="en-US" dirty="0"/>
+              <a:t>Problem Solution Cont.</a:t>
+            </a:r>
+          </a:p>
+        </p:txBody>
+      </p:sp>
+      <p:sp>
+        <p:nvSpPr>
+          <p:cNvPr id="4" name="Content Placeholder 2">
+            <a:extLst>
+              <a:ext uri="{FF2B5EF4-FFF2-40B4-BE49-F238E27FC236}">
+                <a16:creationId xmlns:a16="http://schemas.microsoft.com/office/drawing/2014/main" id="{1EDFA6C4-E69C-C24C-916B-F91E58657775}"/>
+              </a:ext>
+            </a:extLst>
+          </p:cNvPr>
+          <p:cNvSpPr>
+            <a:spLocks noGrp="1"/>
+          </p:cNvSpPr>
+          <p:nvPr>
+            <p:ph idx="1"/>
+          </p:nvPr>
+        </p:nvSpPr>
+        <p:spPr>
+          <a:xfrm>
+            <a:off x="680321" y="2336873"/>
+            <a:ext cx="9613861" cy="3599316"/>
+          </a:xfrm>
+        </p:spPr>
+        <p:txBody>
+          <a:bodyPr>
+            <a:normAutofit/>
+          </a:bodyPr>
+          <a:lstStyle/>
+          <a:p>
+            <a:pPr marL="0" indent="0">
+              <a:buNone/>
+            </a:pPr>
+            <a:r>
+              <a:rPr lang="en-US" sz="2000" dirty="0"/>
+              <a:t>Hosting platform with be provided by utilizing Amazon EC2 </a:t>
+            </a:r>
+          </a:p>
+          <a:p>
+            <a:pPr marL="0" indent="0">
+              <a:buNone/>
+            </a:pPr>
+            <a:r>
+              <a:rPr lang="en-US" sz="2000" dirty="0"/>
+              <a:t>Code vulnerability will be provided by utilizing Amazon Inspector (Security Best Practices-1.0 &amp; Common Vulnerabilities and Exposures-1.1)   </a:t>
+            </a:r>
+          </a:p>
+          <a:p>
+            <a:pPr marL="0" indent="0">
+              <a:buNone/>
+            </a:pPr>
+            <a:r>
+              <a:rPr lang="en-US" sz="2000" dirty="0"/>
+              <a:t>Monitoring will be provided by utilizing Amazon in house monitoring tools (CPU Utilization &amp; CPU Balance Credits)     </a:t>
+            </a:r>
+          </a:p>
+          <a:p>
+            <a:pPr marL="0" indent="0">
+              <a:buNone/>
+            </a:pPr>
+            <a:endParaRPr lang="en-US" sz="2000" dirty="0"/>
+          </a:p>
+          <a:p>
+            <a:pPr marL="0" indent="0">
+              <a:buNone/>
+            </a:pPr>
+            <a:endParaRPr lang="en-US" sz="2000" dirty="0"/>
+          </a:p>
+          <a:p>
+            <a:pPr marL="0" indent="0">
+              <a:buNone/>
+            </a:pPr>
+            <a:endParaRPr lang="en-US" sz="2000" dirty="0"/>
+          </a:p>
+        </p:txBody>
+      </p:sp>
+    </p:spTree>
+    <p:extLst>
+      <p:ext uri="{BB962C8B-B14F-4D97-AF65-F5344CB8AC3E}">
+        <p14:creationId xmlns:p14="http://schemas.microsoft.com/office/powerpoint/2010/main" val="3255741283"/>
+      </p:ext>
+    </p:extLst>
+  </p:cSld>
+  <p:clrMapOvr>
+    <a:masterClrMapping/>
+  </p:clrMapOvr>
+</p:sld>
+</file>
+
+<file path=ppt/slides/slide8.xml><?xml version="1.0" encoding="utf-8"?>
+<p:sld xmlns:a="http://schemas.openxmlformats.org/drawingml/2006/main" xmlns:r="http://schemas.openxmlformats.org/officeDocument/2006/relationships" xmlns:p="http://schemas.openxmlformats.org/presentationml/2006/main">
+  <p:cSld>
+    <p:spTree>
+      <p:nvGrpSpPr>
+        <p:cNvPr id="1" name=""/>
+        <p:cNvGrpSpPr/>
+        <p:nvPr/>
+      </p:nvGrpSpPr>
+      <p:grpSpPr>
+        <a:xfrm>
+          <a:off x="0" y="0"/>
+          <a:ext cx="0" cy="0"/>
+          <a:chOff x="0" y="0"/>
+          <a:chExt cx="0" cy="0"/>
+        </a:xfrm>
+      </p:grpSpPr>
+      <p:sp>
+        <p:nvSpPr>
+          <p:cNvPr id="2" name="Title 1">
+            <a:extLst>
+              <a:ext uri="{FF2B5EF4-FFF2-40B4-BE49-F238E27FC236}">
+                <a16:creationId xmlns:a16="http://schemas.microsoft.com/office/drawing/2014/main" id="{ECCFEFFC-008E-9443-9C7C-31AA51C39218}"/>
+              </a:ext>
+            </a:extLst>
+          </p:cNvPr>
+          <p:cNvSpPr>
+            <a:spLocks noGrp="1"/>
+          </p:cNvSpPr>
+          <p:nvPr>
+            <p:ph type="title"/>
+          </p:nvPr>
+        </p:nvSpPr>
+        <p:spPr/>
+        <p:txBody>
+          <a:bodyPr/>
+          <a:lstStyle/>
+          <a:p>
+            <a:pPr algn="ctr"/>
+            <a:r>
+              <a:rPr lang="en-US" dirty="0"/>
+              <a:t>Problem Solution Cont.</a:t>
+            </a:r>
+          </a:p>
+        </p:txBody>
+      </p:sp>
+      <p:sp>
+        <p:nvSpPr>
+          <p:cNvPr id="4" name="Content Placeholder 2">
+            <a:extLst>
+              <a:ext uri="{FF2B5EF4-FFF2-40B4-BE49-F238E27FC236}">
+                <a16:creationId xmlns:a16="http://schemas.microsoft.com/office/drawing/2014/main" id="{1EDFA6C4-E69C-C24C-916B-F91E58657775}"/>
+              </a:ext>
+            </a:extLst>
+          </p:cNvPr>
+          <p:cNvSpPr>
+            <a:spLocks noGrp="1"/>
+          </p:cNvSpPr>
+          <p:nvPr>
+            <p:ph idx="1"/>
+          </p:nvPr>
+        </p:nvSpPr>
+        <p:spPr>
+          <a:xfrm>
+            <a:off x="680321" y="2336873"/>
+            <a:ext cx="9613861" cy="3599316"/>
+          </a:xfrm>
+        </p:spPr>
+        <p:txBody>
+          <a:bodyPr>
+            <a:normAutofit/>
+          </a:bodyPr>
+          <a:lstStyle/>
+          <a:p>
+            <a:pPr marL="0" indent="0">
+              <a:buNone/>
+            </a:pPr>
+            <a:r>
+              <a:rPr lang="en-US" sz="2000" dirty="0"/>
+              <a:t>Hosting platform with be provided by utilizing Amazon EC2 </a:t>
+            </a:r>
+          </a:p>
+          <a:p>
+            <a:pPr marL="0" indent="0">
+              <a:buNone/>
+            </a:pPr>
+            <a:r>
+              <a:rPr lang="en-US" sz="2000" dirty="0"/>
+              <a:t>Code vulnerability will be provided by utilizing Amazon Inspector (Security Best Practices-1.0 &amp; Common Vulnerabilities and Exposures-1.1)   </a:t>
+            </a:r>
+          </a:p>
+          <a:p>
+            <a:pPr marL="0" indent="0">
+              <a:buNone/>
+            </a:pPr>
+            <a:r>
+              <a:rPr lang="en-US" sz="2000" dirty="0"/>
+              <a:t>Monitoring will be provided by utilizing Amazon in house monitoring tools (CPU Utilization &amp; CPU Balance Credits)     </a:t>
+            </a:r>
+          </a:p>
+          <a:p>
+            <a:pPr marL="0" indent="0">
+              <a:buNone/>
+            </a:pPr>
+            <a:endParaRPr lang="en-US" sz="2000" dirty="0"/>
+          </a:p>
+          <a:p>
+            <a:pPr marL="0" indent="0">
+              <a:buNone/>
+            </a:pPr>
+            <a:endParaRPr lang="en-US" sz="2000" dirty="0"/>
+          </a:p>
+          <a:p>
+            <a:pPr marL="0" indent="0">
+              <a:buNone/>
+            </a:pPr>
+            <a:endParaRPr lang="en-US" sz="2000" dirty="0"/>
+          </a:p>
+        </p:txBody>
+      </p:sp>
+    </p:spTree>
+    <p:extLst>
+      <p:ext uri="{BB962C8B-B14F-4D97-AF65-F5344CB8AC3E}">
+        <p14:creationId xmlns:p14="http://schemas.microsoft.com/office/powerpoint/2010/main" val="233471864"/>
+      </p:ext>
+    </p:extLst>
+  </p:cSld>
+  <p:clrMapOvr>
+    <a:masterClrMapping/>
+  </p:clrMapOvr>
+</p:sld>
+</file>
+
 <file path=ppt/slides/slide9.xml><?xml version="1.0" encoding="utf-8"?>
 <p:sld xmlns:a="http://schemas.openxmlformats.org/drawingml/2006/main" xmlns:r="http://schemas.openxmlformats.org/officeDocument/2006/relationships" xmlns:p="http://schemas.openxmlformats.org/presentationml/2006/main">
   <p:cSld>
@@ -17555,7 +17896,7 @@
           <p:cNvPr id="2" name="Title 1">
             <a:extLst>
               <a:ext uri="{FF2B5EF4-FFF2-40B4-BE49-F238E27FC236}">
-                <a16:creationId xmlns:a16="http://schemas.microsoft.com/office/drawing/2014/main" id="{9E56D09F-9847-3542-9FCF-6DADE35D9190}"/>
+                <a16:creationId xmlns:a16="http://schemas.microsoft.com/office/drawing/2014/main" id="{10501DAF-B22B-504E-83A8-498E629D6E96}"/>
               </a:ext>
             </a:extLst>
           </p:cNvPr>
@@ -17573,135 +17914,203 @@
           <a:p>
             <a:r>
               <a:rPr lang="en-US" dirty="0"/>
-              <a:t>Learnings</a:t>
-            </a:r>
-          </a:p>
-        </p:txBody>
-      </p:sp>
-      <p:sp>
-        <p:nvSpPr>
-          <p:cNvPr id="7" name="Content Placeholder 2">
+              <a:t>The Developmental Process</a:t>
+            </a:r>
+          </a:p>
+        </p:txBody>
+      </p:sp>
+      <p:sp>
+        <p:nvSpPr>
+          <p:cNvPr id="5" name="Rectangle: Rounded Corners 4">
             <a:extLst>
               <a:ext uri="{FF2B5EF4-FFF2-40B4-BE49-F238E27FC236}">
-                <a16:creationId xmlns:a16="http://schemas.microsoft.com/office/drawing/2014/main" id="{B8763F38-562E-4443-9623-AF2A1F00CB6B}"/>
+                <a16:creationId xmlns:a16="http://schemas.microsoft.com/office/drawing/2014/main" id="{59CEE1E4-F336-461F-B8F2-B23230884772}"/>
               </a:ext>
             </a:extLst>
           </p:cNvPr>
-          <p:cNvSpPr>
-            <a:spLocks noGrp="1"/>
-          </p:cNvSpPr>
-          <p:nvPr>
-            <p:ph idx="1"/>
-          </p:nvPr>
-        </p:nvSpPr>
-        <p:spPr>
-          <a:xfrm>
-            <a:off x="824631" y="2404109"/>
-            <a:ext cx="9325240" cy="3302424"/>
-          </a:xfrm>
-        </p:spPr>
-        <p:txBody>
-          <a:bodyPr numCol="3">
-            <a:normAutofit/>
-          </a:bodyPr>
-          <a:lstStyle/>
-          <a:p>
-            <a:pPr marL="0" indent="0">
-              <a:buNone/>
-            </a:pPr>
-            <a:r>
-              <a:rPr lang="en-US" sz="1800" b="1" dirty="0" err="1"/>
-              <a:t>Github</a:t>
-            </a:r>
-            <a:r>
-              <a:rPr lang="en-US" sz="1400" b="1" dirty="0"/>
-              <a:t> – </a:t>
-            </a:r>
-            <a:r>
-              <a:rPr lang="en-US" sz="1400" dirty="0"/>
-              <a:t>Web based Code repository and version configuration tool for Distributed platform.</a:t>
-            </a:r>
-          </a:p>
-          <a:p>
-            <a:pPr marL="0" indent="0">
-              <a:buNone/>
-            </a:pPr>
-            <a:r>
-              <a:rPr lang="en-US" sz="1800" b="1" dirty="0"/>
-              <a:t>Jenkings</a:t>
-            </a:r>
-            <a:r>
-              <a:rPr lang="en-US" sz="1400" b="1" dirty="0"/>
-              <a:t> – </a:t>
-            </a:r>
-            <a:r>
-              <a:rPr lang="en-US" sz="1400" dirty="0"/>
-              <a:t>CI/CD tool to automate the deployment using pipelines and trigger jobs.</a:t>
-            </a:r>
-          </a:p>
-          <a:p>
-            <a:pPr marL="0" indent="0">
-              <a:buNone/>
-            </a:pPr>
-            <a:r>
-              <a:rPr lang="en-US" sz="1800" b="1" dirty="0"/>
-              <a:t>Junits –</a:t>
-            </a:r>
-            <a:r>
-              <a:rPr lang="en-US" sz="1400" dirty="0"/>
-              <a:t> Unit testing tool to do the JAVA code testing. This is commonly used for development of test-driven development</a:t>
-            </a:r>
-          </a:p>
-          <a:p>
-            <a:pPr marL="0" indent="0">
-              <a:buNone/>
-            </a:pPr>
-            <a:r>
-              <a:rPr lang="en-US" sz="1800" b="1" dirty="0"/>
-              <a:t>Cucumber</a:t>
-            </a:r>
-            <a:r>
-              <a:rPr lang="en-US" sz="1400" dirty="0"/>
-              <a:t> – Tool to automate the testing / Test scripts are written in cucumber.</a:t>
-            </a:r>
-          </a:p>
-          <a:p>
-            <a:pPr marL="0" indent="0">
-              <a:buNone/>
-            </a:pPr>
-            <a:r>
-              <a:rPr lang="en-US" sz="1800" b="1" dirty="0"/>
-              <a:t>SonarQube –</a:t>
-            </a:r>
-            <a:r>
-              <a:rPr lang="en-US" sz="1400" dirty="0"/>
-              <a:t> Tool to scan and check for code warning and errors.</a:t>
-            </a:r>
-          </a:p>
-          <a:p>
-            <a:pPr marL="0" indent="0">
-              <a:buNone/>
-            </a:pPr>
-            <a:r>
-              <a:rPr lang="en-US" sz="1800" b="1" dirty="0"/>
-              <a:t>Fortify Scan – </a:t>
-            </a:r>
-            <a:r>
-              <a:rPr lang="en-US" sz="1400" dirty="0"/>
-              <a:t>Tool to look for code security and </a:t>
-            </a:r>
-          </a:p>
-          <a:p>
-            <a:pPr marL="0" indent="0">
-              <a:buNone/>
-            </a:pPr>
-            <a:r>
-              <a:rPr lang="en-US" sz="1800" b="1" dirty="0"/>
-              <a:t>TWS – </a:t>
-            </a:r>
-            <a:r>
-              <a:rPr lang="en-US" sz="1400" dirty="0"/>
-              <a:t>This is a scheduling tool to schedule run of JAVA batch listener threads.</a:t>
+          <p:cNvSpPr/>
+          <p:nvPr/>
+        </p:nvSpPr>
+        <p:spPr>
+          <a:xfrm>
+            <a:off x="501445" y="2330245"/>
+            <a:ext cx="1093276" cy="1376516"/>
+          </a:xfrm>
+          <a:prstGeom prst="roundRect">
+            <a:avLst/>
+          </a:prstGeom>
+        </p:spPr>
+        <p:style>
+          <a:lnRef idx="2">
+            <a:schemeClr val="accent1">
+              <a:shade val="50000"/>
+            </a:schemeClr>
+          </a:lnRef>
+          <a:fillRef idx="1">
+            <a:schemeClr val="accent1"/>
+          </a:fillRef>
+          <a:effectRef idx="0">
+            <a:schemeClr val="accent1"/>
+          </a:effectRef>
+          <a:fontRef idx="minor">
+            <a:schemeClr val="lt1"/>
+          </a:fontRef>
+        </p:style>
+        <p:txBody>
+          <a:bodyPr rtlCol="0" anchor="ctr"/>
+          <a:lstStyle/>
+          <a:p>
+            <a:pPr algn="ctr"/>
+            <a:r>
+              <a:rPr lang="en-US" dirty="0"/>
+              <a:t>Maven Web Application</a:t>
+            </a:r>
+          </a:p>
+        </p:txBody>
+      </p:sp>
+      <p:sp>
+        <p:nvSpPr>
+          <p:cNvPr id="6" name="Rectangle: Rounded Corners 5">
+            <a:extLst>
+              <a:ext uri="{FF2B5EF4-FFF2-40B4-BE49-F238E27FC236}">
+                <a16:creationId xmlns:a16="http://schemas.microsoft.com/office/drawing/2014/main" id="{64F4B518-1116-418D-BE31-0AC84CA9592B}"/>
+              </a:ext>
+            </a:extLst>
+          </p:cNvPr>
+          <p:cNvSpPr/>
+          <p:nvPr/>
+        </p:nvSpPr>
+        <p:spPr>
+          <a:xfrm>
+            <a:off x="5515896" y="2359742"/>
+            <a:ext cx="1356853" cy="1376516"/>
+          </a:xfrm>
+          <a:prstGeom prst="roundRect">
+            <a:avLst/>
+          </a:prstGeom>
+        </p:spPr>
+        <p:style>
+          <a:lnRef idx="2">
+            <a:schemeClr val="accent1">
+              <a:shade val="50000"/>
+            </a:schemeClr>
+          </a:lnRef>
+          <a:fillRef idx="1">
+            <a:schemeClr val="accent1"/>
+          </a:fillRef>
+          <a:effectRef idx="0">
+            <a:schemeClr val="accent1"/>
+          </a:effectRef>
+          <a:fontRef idx="minor">
+            <a:schemeClr val="lt1"/>
+          </a:fontRef>
+        </p:style>
+        <p:txBody>
+          <a:bodyPr rtlCol="0" anchor="ctr"/>
+          <a:lstStyle/>
+          <a:p>
+            <a:pPr algn="ctr"/>
+            <a:r>
+              <a:rPr lang="en-US" dirty="0"/>
+              <a:t>GitHub</a:t>
+            </a:r>
+          </a:p>
+        </p:txBody>
+      </p:sp>
+      <p:sp>
+        <p:nvSpPr>
+          <p:cNvPr id="7" name="Rectangle: Rounded Corners 6">
+            <a:extLst>
+              <a:ext uri="{FF2B5EF4-FFF2-40B4-BE49-F238E27FC236}">
+                <a16:creationId xmlns:a16="http://schemas.microsoft.com/office/drawing/2014/main" id="{791D4AF5-AE35-4D83-A303-4173CEA6FC84}"/>
+              </a:ext>
+            </a:extLst>
+          </p:cNvPr>
+          <p:cNvSpPr/>
+          <p:nvPr/>
+        </p:nvSpPr>
+        <p:spPr>
+          <a:xfrm>
+            <a:off x="2428568" y="2359742"/>
+            <a:ext cx="1022555" cy="1347019"/>
+          </a:xfrm>
+          <a:prstGeom prst="roundRect">
+            <a:avLst/>
+          </a:prstGeom>
+        </p:spPr>
+        <p:style>
+          <a:lnRef idx="2">
+            <a:schemeClr val="accent1">
+              <a:shade val="50000"/>
+            </a:schemeClr>
+          </a:lnRef>
+          <a:fillRef idx="1">
+            <a:schemeClr val="accent1"/>
+          </a:fillRef>
+          <a:effectRef idx="0">
+            <a:schemeClr val="accent1"/>
+          </a:effectRef>
+          <a:fontRef idx="minor">
+            <a:schemeClr val="lt1"/>
+          </a:fontRef>
+        </p:style>
+        <p:txBody>
+          <a:bodyPr rtlCol="0" anchor="ctr"/>
+          <a:lstStyle/>
+          <a:p>
+            <a:pPr algn="ctr"/>
+            <a:r>
+              <a:rPr lang="en-US" dirty="0"/>
+              <a:t>Junit &amp; Sonar Cube</a:t>
+            </a:r>
+          </a:p>
+        </p:txBody>
+      </p:sp>
+      <p:sp>
+        <p:nvSpPr>
+          <p:cNvPr id="8" name="Flowchart: Decision 7">
+            <a:extLst>
+              <a:ext uri="{FF2B5EF4-FFF2-40B4-BE49-F238E27FC236}">
+                <a16:creationId xmlns:a16="http://schemas.microsoft.com/office/drawing/2014/main" id="{D7EECA33-7FEC-48BE-A4D6-4062223E62D1}"/>
+              </a:ext>
+            </a:extLst>
+          </p:cNvPr>
+          <p:cNvSpPr/>
+          <p:nvPr/>
+        </p:nvSpPr>
+        <p:spPr>
+          <a:xfrm>
+            <a:off x="3805084" y="2536723"/>
+            <a:ext cx="1514168" cy="1170038"/>
+          </a:xfrm>
+          <a:prstGeom prst="flowChartDecision">
+            <a:avLst/>
+          </a:prstGeom>
+        </p:spPr>
+        <p:style>
+          <a:lnRef idx="2">
+            <a:schemeClr val="accent1">
+              <a:shade val="50000"/>
+            </a:schemeClr>
+          </a:lnRef>
+          <a:fillRef idx="1">
+            <a:schemeClr val="accent1"/>
+          </a:fillRef>
+          <a:effectRef idx="0">
+            <a:schemeClr val="accent1"/>
+          </a:effectRef>
+          <a:fontRef idx="minor">
+            <a:schemeClr val="lt1"/>
+          </a:fontRef>
+        </p:style>
+        <p:txBody>
+          <a:bodyPr rtlCol="0" anchor="ctr"/>
+          <a:lstStyle/>
+          <a:p>
+            <a:pPr algn="ctr"/>
+            <a:r>
+              <a:rPr lang="en-US" dirty="0"/>
+              <a:t>Pass Build</a:t>
             </a:r>
           </a:p>
         </p:txBody>
@@ -17709,7 +18118,7 @@
     </p:spTree>
     <p:extLst>
       <p:ext uri="{BB962C8B-B14F-4D97-AF65-F5344CB8AC3E}">
-        <p14:creationId xmlns:p14="http://schemas.microsoft.com/office/powerpoint/2010/main" val="3989003375"/>
+        <p14:creationId xmlns:p14="http://schemas.microsoft.com/office/powerpoint/2010/main" val="2294286970"/>
       </p:ext>
     </p:extLst>
   </p:cSld>
